--- a/bahanPresentasi.pptx
+++ b/bahanPresentasi.pptx
@@ -19,9 +19,16 @@
     <p:sldId id="268" r:id="rId13"/>
     <p:sldId id="269" r:id="rId14"/>
     <p:sldId id="270" r:id="rId15"/>
-    <p:sldId id="271" r:id="rId16"/>
-    <p:sldId id="272" r:id="rId17"/>
-    <p:sldId id="273" r:id="rId18"/>
+    <p:sldId id="280" r:id="rId16"/>
+    <p:sldId id="271" r:id="rId17"/>
+    <p:sldId id="272" r:id="rId18"/>
+    <p:sldId id="273" r:id="rId19"/>
+    <p:sldId id="274" r:id="rId20"/>
+    <p:sldId id="275" r:id="rId21"/>
+    <p:sldId id="276" r:id="rId22"/>
+    <p:sldId id="277" r:id="rId23"/>
+    <p:sldId id="278" r:id="rId24"/>
+    <p:sldId id="279" r:id="rId25"/>
   </p:sldIdLst>
   <p:sldSz cx="12192000" cy="6858000"/>
   <p:notesSz cx="6858000" cy="9144000"/>
@@ -122,7 +129,18 @@
   </p:defaultTextStyle>
   <p:extLst>
     <p:ext uri="{EFAFB233-063F-42B5-8137-9DF3F51BA10A}">
-      <p15:sldGuideLst xmlns:p15="http://schemas.microsoft.com/office/powerpoint/2012/main"/>
+      <p15:sldGuideLst xmlns:p15="http://schemas.microsoft.com/office/powerpoint/2012/main">
+        <p15:guide id="1" orient="horz" pos="2160">
+          <p15:clr>
+            <a:srgbClr val="A4A3A4"/>
+          </p15:clr>
+        </p15:guide>
+        <p15:guide id="2" pos="3840">
+          <p15:clr>
+            <a:srgbClr val="A4A3A4"/>
+          </p15:clr>
+        </p15:guide>
+      </p15:sldGuideLst>
     </p:ext>
   </p:extLst>
 </p:presentation>
@@ -261,7 +279,7 @@
           <a:p>
             <a:fld id="{48A87A34-81AB-432B-8DAE-1953F412C126}" type="datetimeFigureOut">
               <a:rPr lang="en-US" dirty="0"/>
-              <a:t>1/17/2014</a:t>
+              <a:t>1/13/2014</a:t>
             </a:fld>
             <a:endParaRPr lang="en-US" dirty="0"/>
           </a:p>
@@ -543,7 +561,7 @@
           <a:p>
             <a:fld id="{48A87A34-81AB-432B-8DAE-1953F412C126}" type="datetimeFigureOut">
               <a:rPr lang="en-US" dirty="0"/>
-              <a:t>1/17/2014</a:t>
+              <a:t>1/13/2014</a:t>
             </a:fld>
             <a:endParaRPr lang="en-US" dirty="0"/>
           </a:p>
@@ -730,7 +748,7 @@
           <a:p>
             <a:fld id="{48A87A34-81AB-432B-8DAE-1953F412C126}" type="datetimeFigureOut">
               <a:rPr lang="en-US" dirty="0"/>
-              <a:t>1/17/2014</a:t>
+              <a:t>1/13/2014</a:t>
             </a:fld>
             <a:endParaRPr lang="en-US" dirty="0"/>
           </a:p>
@@ -986,7 +1004,7 @@
           <a:p>
             <a:fld id="{48A87A34-81AB-432B-8DAE-1953F412C126}" type="datetimeFigureOut">
               <a:rPr lang="en-US" dirty="0"/>
-              <a:t>1/17/2014</a:t>
+              <a:t>1/13/2014</a:t>
             </a:fld>
             <a:endParaRPr lang="en-US" dirty="0"/>
           </a:p>
@@ -1405,7 +1423,7 @@
           <a:p>
             <a:fld id="{48A87A34-81AB-432B-8DAE-1953F412C126}" type="datetimeFigureOut">
               <a:rPr lang="en-US" dirty="0"/>
-              <a:t>1/17/2014</a:t>
+              <a:t>1/13/2014</a:t>
             </a:fld>
             <a:endParaRPr lang="en-US" dirty="0"/>
           </a:p>
@@ -1946,7 +1964,7 @@
           <a:p>
             <a:fld id="{48A87A34-81AB-432B-8DAE-1953F412C126}" type="datetimeFigureOut">
               <a:rPr lang="en-US" dirty="0"/>
-              <a:t>1/17/2014</a:t>
+              <a:t>1/13/2014</a:t>
             </a:fld>
             <a:endParaRPr lang="en-US" dirty="0"/>
           </a:p>
@@ -2781,7 +2799,7 @@
           <a:p>
             <a:fld id="{48A87A34-81AB-432B-8DAE-1953F412C126}" type="datetimeFigureOut">
               <a:rPr lang="en-US" dirty="0"/>
-              <a:t>1/17/2014</a:t>
+              <a:t>1/13/2014</a:t>
             </a:fld>
             <a:endParaRPr lang="en-US" dirty="0"/>
           </a:p>
@@ -2946,7 +2964,7 @@
           <a:p>
             <a:fld id="{48A87A34-81AB-432B-8DAE-1953F412C126}" type="datetimeFigureOut">
               <a:rPr lang="en-US" dirty="0"/>
-              <a:t>1/17/2014</a:t>
+              <a:t>1/13/2014</a:t>
             </a:fld>
             <a:endParaRPr lang="en-US" dirty="0"/>
           </a:p>
@@ -3125,7 +3143,7 @@
           <a:p>
             <a:fld id="{48A87A34-81AB-432B-8DAE-1953F412C126}" type="datetimeFigureOut">
               <a:rPr lang="en-US" dirty="0"/>
-              <a:t>1/17/2014</a:t>
+              <a:t>1/13/2014</a:t>
             </a:fld>
             <a:endParaRPr lang="en-US" dirty="0"/>
           </a:p>
@@ -3290,7 +3308,7 @@
           <a:p>
             <a:fld id="{48A87A34-81AB-432B-8DAE-1953F412C126}" type="datetimeFigureOut">
               <a:rPr lang="en-US" dirty="0"/>
-              <a:t>1/17/2014</a:t>
+              <a:t>1/13/2014</a:t>
             </a:fld>
             <a:endParaRPr lang="en-US" dirty="0"/>
           </a:p>
@@ -3533,7 +3551,7 @@
           <a:p>
             <a:fld id="{48A87A34-81AB-432B-8DAE-1953F412C126}" type="datetimeFigureOut">
               <a:rPr lang="en-US" dirty="0"/>
-              <a:t>1/17/2014</a:t>
+              <a:t>1/13/2014</a:t>
             </a:fld>
             <a:endParaRPr lang="en-US" dirty="0"/>
           </a:p>
@@ -3765,7 +3783,7 @@
           <a:p>
             <a:fld id="{48A87A34-81AB-432B-8DAE-1953F412C126}" type="datetimeFigureOut">
               <a:rPr lang="en-US" dirty="0"/>
-              <a:t>1/17/2014</a:t>
+              <a:t>1/13/2014</a:t>
             </a:fld>
             <a:endParaRPr lang="en-US" dirty="0"/>
           </a:p>
@@ -4133,7 +4151,7 @@
           <a:p>
             <a:fld id="{48A87A34-81AB-432B-8DAE-1953F412C126}" type="datetimeFigureOut">
               <a:rPr lang="en-US" dirty="0"/>
-              <a:t>1/17/2014</a:t>
+              <a:t>1/13/2014</a:t>
             </a:fld>
             <a:endParaRPr lang="en-US" dirty="0"/>
           </a:p>
@@ -4246,7 +4264,7 @@
           <a:p>
             <a:fld id="{48A87A34-81AB-432B-8DAE-1953F412C126}" type="datetimeFigureOut">
               <a:rPr lang="en-US" dirty="0"/>
-              <a:t>1/17/2014</a:t>
+              <a:t>1/13/2014</a:t>
             </a:fld>
             <a:endParaRPr lang="en-US" dirty="0"/>
           </a:p>
@@ -4336,7 +4354,7 @@
           <a:p>
             <a:fld id="{48A87A34-81AB-432B-8DAE-1953F412C126}" type="datetimeFigureOut">
               <a:rPr lang="en-US" dirty="0"/>
-              <a:t>1/17/2014</a:t>
+              <a:t>1/13/2014</a:t>
             </a:fld>
             <a:endParaRPr lang="en-US" dirty="0"/>
           </a:p>
@@ -4582,7 +4600,7 @@
           <a:p>
             <a:fld id="{48A87A34-81AB-432B-8DAE-1953F412C126}" type="datetimeFigureOut">
               <a:rPr lang="en-US" dirty="0"/>
-              <a:t>1/17/2014</a:t>
+              <a:t>1/13/2014</a:t>
             </a:fld>
             <a:endParaRPr lang="en-US" dirty="0"/>
           </a:p>
@@ -4864,7 +4882,7 @@
           <a:p>
             <a:fld id="{48A87A34-81AB-432B-8DAE-1953F412C126}" type="datetimeFigureOut">
               <a:rPr lang="en-US" dirty="0"/>
-              <a:t>1/17/2014</a:t>
+              <a:t>1/13/2014</a:t>
             </a:fld>
             <a:endParaRPr lang="en-US" dirty="0"/>
           </a:p>
@@ -5073,7 +5091,7 @@
             <a:fld id="{48A87A34-81AB-432B-8DAE-1953F412C126}" type="datetimeFigureOut">
               <a:rPr lang="en-US" dirty="0"/>
               <a:pPr/>
-              <a:t>1/17/2014</a:t>
+              <a:t>1/13/2014</a:t>
             </a:fld>
             <a:endParaRPr lang="en-US" dirty="0"/>
           </a:p>
@@ -6997,31 +7015,33 @@
         </p:nvSpPr>
         <p:spPr/>
         <p:txBody>
-          <a:bodyPr/>
-          <a:lstStyle/>
-          <a:p>
-            <a:r>
-              <a:rPr lang="id-ID" dirty="0" smtClean="0"/>
+          <a:bodyPr>
+            <a:noAutofit/>
+          </a:bodyPr>
+          <a:lstStyle/>
+          <a:p>
+            <a:r>
+              <a:rPr lang="id-ID" sz="2400" dirty="0" smtClean="0"/>
               <a:t>Tampilan awal.</a:t>
             </a:r>
             <a:br>
-              <a:rPr lang="id-ID" dirty="0" smtClean="0"/>
+              <a:rPr lang="id-ID" sz="2400" dirty="0" smtClean="0"/>
             </a:br>
             <a:r>
-              <a:rPr lang="id-ID" dirty="0" smtClean="0"/>
+              <a:rPr lang="id-ID" sz="2400" dirty="0" smtClean="0"/>
               <a:t>Fitur ini merupakan tampilan awal ketika user membuka aplikasi kami. Isinya adalah list dari alat-alat elektronik yang telah kita daftarkan sebelumnya.</a:t>
             </a:r>
           </a:p>
           <a:p>
             <a:r>
-              <a:rPr lang="id-ID" dirty="0" smtClean="0"/>
+              <a:rPr lang="id-ID" sz="2400" dirty="0" smtClean="0"/>
               <a:t>Fitur on/off</a:t>
             </a:r>
             <a:br>
-              <a:rPr lang="id-ID" dirty="0" smtClean="0"/>
+              <a:rPr lang="id-ID" sz="2400" dirty="0" smtClean="0"/>
             </a:br>
             <a:r>
-              <a:rPr lang="id-ID" dirty="0" smtClean="0"/>
+              <a:rPr lang="id-ID" sz="2400" dirty="0" smtClean="0"/>
               <a:t>Fitur ini adalah fitur wajib yang harus dimiliki oleh setiap alat-alat elektronik. Fitur ini memiliki 2 pengaturan saja, yaitu on (menyalakan alat) dan off (mematikan alat).</a:t>
             </a:r>
           </a:p>
@@ -7029,7 +7049,7 @@
             <a:pPr marL="0" indent="0">
               <a:buNone/>
             </a:pPr>
-            <a:endParaRPr lang="id-ID" dirty="0"/>
+            <a:endParaRPr lang="id-ID" sz="2400" dirty="0"/>
           </a:p>
         </p:txBody>
       </p:sp>
@@ -7099,43 +7119,45 @@
         </p:nvSpPr>
         <p:spPr/>
         <p:txBody>
-          <a:bodyPr/>
-          <a:lstStyle/>
-          <a:p>
-            <a:r>
-              <a:rPr lang="id-ID" dirty="0" smtClean="0"/>
+          <a:bodyPr>
+            <a:normAutofit/>
+          </a:bodyPr>
+          <a:lstStyle/>
+          <a:p>
+            <a:r>
+              <a:rPr lang="id-ID" sz="2400" dirty="0" smtClean="0"/>
               <a:t>Fitur Khusus</a:t>
             </a:r>
             <a:br>
-              <a:rPr lang="id-ID" dirty="0" smtClean="0"/>
+              <a:rPr lang="id-ID" sz="2400" dirty="0" smtClean="0"/>
             </a:br>
             <a:r>
-              <a:rPr lang="id-ID" dirty="0" smtClean="0"/>
+              <a:rPr lang="id-ID" sz="2400" dirty="0" smtClean="0"/>
               <a:t>Fitur ini juga dimiliki oleh setiap alat-alat elektronik. Hanya saja </a:t>
             </a:r>
             <a:r>
-              <a:rPr lang="id-ID" i="1" dirty="0" smtClean="0"/>
+              <a:rPr lang="id-ID" sz="2400" i="1" dirty="0" smtClean="0"/>
               <a:t>content </a:t>
             </a:r>
             <a:r>
-              <a:rPr lang="id-ID" dirty="0" smtClean="0"/>
+              <a:rPr lang="id-ID" sz="2400" dirty="0" smtClean="0"/>
               <a:t>dari setiap alat elektronik pasti berbeda.</a:t>
             </a:r>
             <a:br>
-              <a:rPr lang="id-ID" dirty="0" smtClean="0"/>
+              <a:rPr lang="id-ID" sz="2400" dirty="0" smtClean="0"/>
             </a:br>
             <a:r>
-              <a:rPr lang="id-ID" dirty="0" smtClean="0"/>
+              <a:rPr lang="id-ID" sz="2400" dirty="0" smtClean="0"/>
               <a:t>Misalnya TV memiliki fitur untuk mengganti channel sementara AC dan kipas angin tidak.</a:t>
             </a:r>
             <a:br>
-              <a:rPr lang="id-ID" dirty="0" smtClean="0"/>
+              <a:rPr lang="id-ID" sz="2400" dirty="0" smtClean="0"/>
             </a:br>
             <a:r>
-              <a:rPr lang="id-ID" dirty="0" smtClean="0"/>
+              <a:rPr lang="id-ID" sz="2400" dirty="0" smtClean="0"/>
               <a:t>Kemudian Kipas Angin juga memiliki fitur swing, sementara alat-alat lain tidak mungkin meiliki fitur tersebut.</a:t>
             </a:r>
-            <a:endParaRPr lang="id-ID" dirty="0"/>
+            <a:endParaRPr lang="id-ID" sz="2400" dirty="0"/>
           </a:p>
         </p:txBody>
       </p:sp>
@@ -7205,30 +7227,32 @@
         </p:nvSpPr>
         <p:spPr/>
         <p:txBody>
-          <a:bodyPr/>
-          <a:lstStyle/>
-          <a:p>
-            <a:r>
-              <a:rPr lang="id-ID" dirty="0" smtClean="0"/>
+          <a:bodyPr>
+            <a:normAutofit/>
+          </a:bodyPr>
+          <a:lstStyle/>
+          <a:p>
+            <a:r>
+              <a:rPr lang="id-ID" sz="2800" dirty="0" smtClean="0"/>
               <a:t>Karena setiap bagian yang telah kami jelaskan diawal tadi berhubungan satu dengan yang lain, dan aplikasi ini tidak mungkin bisa bekerja bila salah satu </a:t>
             </a:r>
             <a:r>
-              <a:rPr lang="id-ID" i="1" dirty="0" smtClean="0"/>
+              <a:rPr lang="id-ID" sz="2800" i="1" dirty="0" smtClean="0"/>
               <a:t>functional requirements </a:t>
             </a:r>
             <a:r>
-              <a:rPr lang="id-ID" dirty="0" smtClean="0"/>
+              <a:rPr lang="id-ID" sz="2800" dirty="0" smtClean="0"/>
               <a:t>tersebut tidak ada, maka untuk ketiga bagian </a:t>
             </a:r>
             <a:r>
-              <a:rPr lang="id-ID" i="1" dirty="0" smtClean="0"/>
+              <a:rPr lang="id-ID" sz="2800" i="1" dirty="0" smtClean="0"/>
               <a:t>functional requirements </a:t>
             </a:r>
             <a:r>
-              <a:rPr lang="id-ID" dirty="0" smtClean="0"/>
+              <a:rPr lang="id-ID" sz="2800" dirty="0" smtClean="0"/>
               <a:t>tersebut kami memberikan point yang sama yaitu 10, atau dengan kata lain fitur ini sangat penting.</a:t>
             </a:r>
-            <a:endParaRPr lang="id-ID" dirty="0"/>
+            <a:endParaRPr lang="id-ID" sz="2800" dirty="0"/>
           </a:p>
         </p:txBody>
       </p:sp>
@@ -7298,92 +7322,94 @@
         </p:nvSpPr>
         <p:spPr/>
         <p:txBody>
-          <a:bodyPr/>
-          <a:lstStyle/>
-          <a:p>
-            <a:r>
-              <a:rPr lang="id-ID" dirty="0" smtClean="0"/>
+          <a:bodyPr>
+            <a:noAutofit/>
+          </a:bodyPr>
+          <a:lstStyle/>
+          <a:p>
+            <a:r>
+              <a:rPr lang="id-ID" sz="2400" dirty="0" smtClean="0"/>
               <a:t>David Bezalel Laoli</a:t>
             </a:r>
             <a:r>
-              <a:rPr lang="id-ID" dirty="0"/>
+              <a:rPr lang="id-ID" sz="2400" dirty="0"/>
               <a:t/>
             </a:r>
             <a:br>
-              <a:rPr lang="id-ID" dirty="0"/>
+              <a:rPr lang="id-ID" sz="2400" dirty="0"/>
             </a:br>
             <a:r>
-              <a:rPr lang="id-ID" dirty="0" smtClean="0"/>
+              <a:rPr lang="id-ID" sz="2400" dirty="0" smtClean="0"/>
               <a:t>- Tampilan Awal	: 5 hari</a:t>
             </a:r>
             <a:r>
-              <a:rPr lang="id-ID" dirty="0"/>
+              <a:rPr lang="id-ID" sz="2400" dirty="0"/>
               <a:t/>
             </a:r>
             <a:br>
-              <a:rPr lang="id-ID" dirty="0"/>
+              <a:rPr lang="id-ID" sz="2400" dirty="0"/>
             </a:br>
             <a:r>
-              <a:rPr lang="id-ID" dirty="0" smtClean="0"/>
+              <a:rPr lang="id-ID" sz="2400" dirty="0" smtClean="0"/>
               <a:t>- Fitur On/Off     	: 5 hari</a:t>
             </a:r>
             <a:br>
-              <a:rPr lang="id-ID" dirty="0" smtClean="0"/>
+              <a:rPr lang="id-ID" sz="2400" dirty="0" smtClean="0"/>
             </a:br>
             <a:r>
-              <a:rPr lang="id-ID" dirty="0" smtClean="0"/>
-              <a:t>- Fitur Khusus		: 8 hari</a:t>
+              <a:rPr lang="id-ID" sz="2400" dirty="0" smtClean="0"/>
+              <a:t>- Fitur Khusus	: 8 hari</a:t>
             </a:r>
             <a:br>
-              <a:rPr lang="id-ID" dirty="0" smtClean="0"/>
+              <a:rPr lang="id-ID" sz="2400" dirty="0" smtClean="0"/>
             </a:br>
-            <a:endParaRPr lang="id-ID" dirty="0" smtClean="0"/>
-          </a:p>
-          <a:p>
-            <a:r>
-              <a:rPr lang="id-ID" dirty="0" smtClean="0"/>
+            <a:endParaRPr lang="id-ID" sz="2400" dirty="0" smtClean="0"/>
+          </a:p>
+          <a:p>
+            <a:r>
+              <a:rPr lang="id-ID" sz="2400" dirty="0" smtClean="0"/>
               <a:t>Prama Elly Daeli</a:t>
             </a:r>
             <a:br>
-              <a:rPr lang="id-ID" dirty="0" smtClean="0"/>
+              <a:rPr lang="id-ID" sz="2400" dirty="0" smtClean="0"/>
             </a:br>
             <a:r>
-              <a:rPr lang="id-ID" dirty="0"/>
+              <a:rPr lang="id-ID" sz="2400" dirty="0"/>
               <a:t>- Tampilan Awal	: </a:t>
             </a:r>
             <a:r>
-              <a:rPr lang="id-ID" dirty="0" smtClean="0"/>
+              <a:rPr lang="id-ID" sz="2400" dirty="0" smtClean="0"/>
               <a:t>8 </a:t>
             </a:r>
             <a:r>
-              <a:rPr lang="id-ID" dirty="0"/>
+              <a:rPr lang="id-ID" sz="2400" dirty="0"/>
               <a:t>hari</a:t>
             </a:r>
             <a:br>
-              <a:rPr lang="id-ID" dirty="0"/>
+              <a:rPr lang="id-ID" sz="2400" dirty="0"/>
             </a:br>
             <a:r>
-              <a:rPr lang="id-ID" dirty="0"/>
+              <a:rPr lang="id-ID" sz="2400" dirty="0"/>
               <a:t>- Fitur On/Off     	: 5 hari</a:t>
             </a:r>
             <a:br>
-              <a:rPr lang="id-ID" dirty="0"/>
+              <a:rPr lang="id-ID" sz="2400" dirty="0"/>
             </a:br>
             <a:r>
-              <a:rPr lang="id-ID" dirty="0"/>
-              <a:t>- Fitur Khusus		: </a:t>
-            </a:r>
-            <a:r>
-              <a:rPr lang="id-ID" dirty="0" smtClean="0"/>
-              <a:t>13 </a:t>
-            </a:r>
-            <a:r>
-              <a:rPr lang="id-ID" dirty="0"/>
+              <a:rPr lang="id-ID" sz="2400" dirty="0"/>
+              <a:t>- Fitur Khusus	</a:t>
+            </a:r>
+            <a:r>
+              <a:rPr lang="id-ID" sz="2400" dirty="0" smtClean="0"/>
+              <a:t>: 13 </a:t>
+            </a:r>
+            <a:r>
+              <a:rPr lang="id-ID" sz="2400" dirty="0"/>
               <a:t>hari</a:t>
             </a:r>
           </a:p>
           <a:p>
-            <a:endParaRPr lang="id-ID" dirty="0" smtClean="0"/>
+            <a:endParaRPr lang="id-ID" sz="2400" dirty="0" smtClean="0"/>
           </a:p>
         </p:txBody>
       </p:sp>
@@ -7432,6 +7458,7 @@
           <a:bodyPr/>
           <a:lstStyle/>
           <a:p>
+            <a:pPr algn="r"/>
             <a:r>
               <a:rPr lang="id-ID" dirty="0" smtClean="0"/>
               <a:t>Asumsi setiap anggota kelompok (II)</a:t>
@@ -7452,48 +7479,50 @@
         </p:nvSpPr>
         <p:spPr/>
         <p:txBody>
-          <a:bodyPr/>
-          <a:lstStyle/>
-          <a:p>
-            <a:r>
-              <a:rPr lang="id-ID" dirty="0" smtClean="0"/>
+          <a:bodyPr>
+            <a:normAutofit/>
+          </a:bodyPr>
+          <a:lstStyle/>
+          <a:p>
+            <a:r>
+              <a:rPr lang="id-ID" sz="2400" dirty="0" smtClean="0"/>
               <a:t>Samuel Simanungkalit</a:t>
             </a:r>
             <a:br>
-              <a:rPr lang="id-ID" dirty="0" smtClean="0"/>
+              <a:rPr lang="id-ID" sz="2400" dirty="0" smtClean="0"/>
             </a:br>
             <a:r>
-              <a:rPr lang="id-ID" dirty="0"/>
+              <a:rPr lang="id-ID" sz="2400" dirty="0"/>
               <a:t>- Tampilan Awal	: </a:t>
             </a:r>
             <a:r>
-              <a:rPr lang="id-ID" dirty="0" smtClean="0"/>
+              <a:rPr lang="id-ID" sz="2400" dirty="0" smtClean="0"/>
               <a:t>8 </a:t>
             </a:r>
             <a:r>
-              <a:rPr lang="id-ID" dirty="0"/>
+              <a:rPr lang="id-ID" sz="2400" dirty="0"/>
               <a:t>hari</a:t>
             </a:r>
             <a:br>
-              <a:rPr lang="id-ID" dirty="0"/>
+              <a:rPr lang="id-ID" sz="2400" dirty="0"/>
             </a:br>
             <a:r>
-              <a:rPr lang="id-ID" dirty="0"/>
+              <a:rPr lang="id-ID" sz="2400" dirty="0"/>
               <a:t>- Fitur On/Off     	: 5 hari</a:t>
             </a:r>
             <a:br>
-              <a:rPr lang="id-ID" dirty="0"/>
+              <a:rPr lang="id-ID" sz="2400" dirty="0"/>
             </a:br>
             <a:r>
-              <a:rPr lang="id-ID" dirty="0"/>
-              <a:t>- Fitur Khusus		: </a:t>
-            </a:r>
-            <a:r>
-              <a:rPr lang="id-ID" dirty="0" smtClean="0"/>
-              <a:t>13 </a:t>
-            </a:r>
-            <a:r>
-              <a:rPr lang="id-ID" dirty="0"/>
+              <a:rPr lang="id-ID" sz="2400" dirty="0"/>
+              <a:t>- Fitur Khusus	</a:t>
+            </a:r>
+            <a:r>
+              <a:rPr lang="id-ID" sz="2400" dirty="0" smtClean="0"/>
+              <a:t>: 13 </a:t>
+            </a:r>
+            <a:r>
+              <a:rPr lang="id-ID" sz="2400" dirty="0"/>
               <a:t>hari</a:t>
             </a:r>
           </a:p>
@@ -7502,13 +7531,13 @@
               <a:buNone/>
             </a:pPr>
             <a:r>
-              <a:rPr lang="id-ID" dirty="0" smtClean="0"/>
+              <a:rPr lang="id-ID" sz="2400" dirty="0" smtClean="0"/>
               <a:t/>
             </a:r>
             <a:br>
-              <a:rPr lang="id-ID" dirty="0" smtClean="0"/>
+              <a:rPr lang="id-ID" sz="2400" dirty="0" smtClean="0"/>
             </a:br>
-            <a:endParaRPr lang="id-ID" dirty="0"/>
+            <a:endParaRPr lang="id-ID" sz="2400" dirty="0"/>
           </a:p>
         </p:txBody>
       </p:sp>
@@ -7522,6 +7551,13 @@
   <p:clrMapOvr>
     <a:masterClrMapping/>
   </p:clrMapOvr>
+  <p:timing>
+    <p:tnLst>
+      <p:par>
+        <p:cTn id="1" dur="indefinite" restart="never" nodeType="tmRoot"/>
+      </p:par>
+    </p:tnLst>
+  </p:timing>
 </p:sld>
 </file>
 
@@ -7560,6 +7596,165 @@
             <a:pPr algn="r"/>
             <a:r>
               <a:rPr lang="id-ID" dirty="0" smtClean="0"/>
+              <a:t>Iteration planning</a:t>
+            </a:r>
+            <a:endParaRPr lang="id-ID" dirty="0"/>
+          </a:p>
+        </p:txBody>
+      </p:sp>
+      <p:sp>
+        <p:nvSpPr>
+          <p:cNvPr id="6" name="TextBox 5"/>
+          <p:cNvSpPr txBox="1"/>
+          <p:nvPr/>
+        </p:nvSpPr>
+        <p:spPr>
+          <a:xfrm>
+            <a:off x="1828800" y="1935921"/>
+            <a:ext cx="2640169" cy="954107"/>
+          </a:xfrm>
+          <a:prstGeom prst="rect">
+            <a:avLst/>
+          </a:prstGeom>
+          <a:noFill/>
+        </p:spPr>
+        <p:txBody>
+          <a:bodyPr wrap="square" rtlCol="0">
+            <a:spAutoFit/>
+          </a:bodyPr>
+          <a:lstStyle/>
+          <a:p>
+            <a:r>
+              <a:rPr lang="id-ID" sz="2800" dirty="0" smtClean="0"/>
+              <a:t>Tampilan Awal</a:t>
+            </a:r>
+          </a:p>
+          <a:p>
+            <a:r>
+              <a:rPr lang="id-ID" sz="2800" dirty="0" smtClean="0"/>
+              <a:t>Waktu 5 hari</a:t>
+            </a:r>
+          </a:p>
+        </p:txBody>
+      </p:sp>
+      <p:sp>
+        <p:nvSpPr>
+          <p:cNvPr id="7" name="TextBox 6"/>
+          <p:cNvSpPr txBox="1"/>
+          <p:nvPr/>
+        </p:nvSpPr>
+        <p:spPr>
+          <a:xfrm>
+            <a:off x="6090675" y="1952890"/>
+            <a:ext cx="2640169" cy="954107"/>
+          </a:xfrm>
+          <a:prstGeom prst="rect">
+            <a:avLst/>
+          </a:prstGeom>
+          <a:noFill/>
+        </p:spPr>
+        <p:txBody>
+          <a:bodyPr wrap="square" rtlCol="0">
+            <a:spAutoFit/>
+          </a:bodyPr>
+          <a:lstStyle/>
+          <a:p>
+            <a:r>
+              <a:rPr lang="id-ID" sz="2800" dirty="0" smtClean="0"/>
+              <a:t>Fitur On/Off</a:t>
+            </a:r>
+          </a:p>
+          <a:p>
+            <a:r>
+              <a:rPr lang="id-ID" sz="2800" dirty="0" smtClean="0"/>
+              <a:t>Waktu 5 hari</a:t>
+            </a:r>
+          </a:p>
+        </p:txBody>
+      </p:sp>
+      <p:sp>
+        <p:nvSpPr>
+          <p:cNvPr id="8" name="TextBox 7"/>
+          <p:cNvSpPr txBox="1"/>
+          <p:nvPr/>
+        </p:nvSpPr>
+        <p:spPr>
+          <a:xfrm>
+            <a:off x="3901266" y="4000631"/>
+            <a:ext cx="3233630" cy="954107"/>
+          </a:xfrm>
+          <a:prstGeom prst="rect">
+            <a:avLst/>
+          </a:prstGeom>
+          <a:noFill/>
+        </p:spPr>
+        <p:txBody>
+          <a:bodyPr wrap="square" rtlCol="0">
+            <a:spAutoFit/>
+          </a:bodyPr>
+          <a:lstStyle/>
+          <a:p>
+            <a:r>
+              <a:rPr lang="id-ID" sz="2800" dirty="0" smtClean="0"/>
+              <a:t>Tampilan Khusus</a:t>
+            </a:r>
+          </a:p>
+          <a:p>
+            <a:r>
+              <a:rPr lang="id-ID" sz="2800" dirty="0" smtClean="0"/>
+              <a:t>Waktu 40 hari</a:t>
+            </a:r>
+          </a:p>
+        </p:txBody>
+      </p:sp>
+    </p:spTree>
+    <p:extLst>
+      <p:ext uri="{BB962C8B-B14F-4D97-AF65-F5344CB8AC3E}">
+        <p14:creationId xmlns:p14="http://schemas.microsoft.com/office/powerpoint/2010/main" val="341447868"/>
+      </p:ext>
+    </p:extLst>
+  </p:cSld>
+  <p:clrMapOvr>
+    <a:masterClrMapping/>
+  </p:clrMapOvr>
+</p:sld>
+</file>
+
+<file path=ppt/slides/slide16.xml><?xml version="1.0" encoding="utf-8"?>
+<p:sld xmlns:a="http://schemas.openxmlformats.org/drawingml/2006/main" xmlns:r="http://schemas.openxmlformats.org/officeDocument/2006/relationships" xmlns:p="http://schemas.openxmlformats.org/presentationml/2006/main">
+  <p:cSld>
+    <p:spTree>
+      <p:nvGrpSpPr>
+        <p:cNvPr id="1" name=""/>
+        <p:cNvGrpSpPr/>
+        <p:nvPr/>
+      </p:nvGrpSpPr>
+      <p:grpSpPr>
+        <a:xfrm>
+          <a:off x="0" y="0"/>
+          <a:ext cx="0" cy="0"/>
+          <a:chOff x="0" y="0"/>
+          <a:chExt cx="0" cy="0"/>
+        </a:xfrm>
+      </p:grpSpPr>
+      <p:sp>
+        <p:nvSpPr>
+          <p:cNvPr id="2" name="Title 1"/>
+          <p:cNvSpPr>
+            <a:spLocks noGrp="1"/>
+          </p:cNvSpPr>
+          <p:nvPr>
+            <p:ph type="title"/>
+          </p:nvPr>
+        </p:nvSpPr>
+        <p:spPr/>
+        <p:txBody>
+          <a:bodyPr/>
+          <a:lstStyle/>
+          <a:p>
+            <a:pPr algn="r"/>
+            <a:r>
+              <a:rPr lang="id-ID" dirty="0" smtClean="0"/>
               <a:t>System engineering (I)</a:t>
             </a:r>
             <a:endParaRPr lang="id-ID" dirty="0"/>
@@ -7608,36 +7803,36 @@
         </p:nvGrpSpPr>
         <p:grpSpPr>
           <a:xfrm>
-            <a:off x="2042556" y="2398817"/>
-            <a:ext cx="7623957" cy="3135084"/>
-            <a:chOff x="0" y="0"/>
-            <a:chExt cx="5200650" cy="1781175"/>
+            <a:off x="2992586" y="3428879"/>
+            <a:ext cx="6530110" cy="2269199"/>
+            <a:chOff x="2004944" y="591246"/>
+            <a:chExt cx="3409546" cy="799404"/>
           </a:xfrm>
         </p:grpSpPr>
         <p:grpSp>
           <p:nvGrpSpPr>
-            <p:cNvPr id="5" name="Group 4"/>
+            <p:cNvPr id="9" name="Group 8"/>
             <p:cNvGrpSpPr/>
             <p:nvPr/>
           </p:nvGrpSpPr>
           <p:grpSpPr>
             <a:xfrm>
-              <a:off x="3895725" y="0"/>
-              <a:ext cx="1133475" cy="781050"/>
-              <a:chOff x="0" y="0"/>
-              <a:chExt cx="1133475" cy="781050"/>
+              <a:off x="2004944" y="591246"/>
+              <a:ext cx="3409546" cy="799404"/>
+              <a:chOff x="-1909831" y="-408879"/>
+              <a:chExt cx="3409546" cy="799404"/>
             </a:xfrm>
           </p:grpSpPr>
           <p:sp>
             <p:nvSpPr>
-              <p:cNvPr id="13" name="Oval 12"/>
+              <p:cNvPr id="11" name="Oval 10"/>
               <p:cNvSpPr/>
               <p:nvPr/>
             </p:nvSpPr>
             <p:spPr>
               <a:xfrm>
-                <a:off x="0" y="0"/>
-                <a:ext cx="1133475" cy="781050"/>
+                <a:off x="213840" y="-390525"/>
+                <a:ext cx="1285875" cy="781050"/>
               </a:xfrm>
               <a:prstGeom prst="ellipse">
                 <a:avLst/>
@@ -7674,14 +7869,14 @@
           </p:sp>
           <p:sp>
             <p:nvSpPr>
-              <p:cNvPr id="14" name="Text Box 23"/>
+              <p:cNvPr id="12" name="Text Box 36"/>
               <p:cNvSpPr txBox="1"/>
               <p:nvPr/>
             </p:nvSpPr>
             <p:spPr>
               <a:xfrm>
-                <a:off x="238125" y="171450"/>
-                <a:ext cx="657225" cy="438150"/>
+                <a:off x="461436" y="-169168"/>
+                <a:ext cx="766582" cy="349011"/>
               </a:xfrm>
               <a:prstGeom prst="rect">
                 <a:avLst/>
@@ -7729,7 +7924,7 @@
                   </a:spcAft>
                 </a:pPr>
                 <a:r>
-                  <a:rPr lang="id-ID" sz="1100">
+                  <a:rPr lang="id-ID" sz="2400" dirty="0" smtClean="0">
                     <a:solidFill>
                       <a:srgbClr val="FFFFFF"/>
                     </a:solidFill>
@@ -7738,9 +7933,9 @@
                     <a:ea typeface="Calibri" panose="020F0502020204030204" pitchFamily="34" charset="0"/>
                     <a:cs typeface="Times New Roman" panose="02020603050405020304" pitchFamily="18" charset="0"/>
                   </a:rPr>
-                  <a:t>Bagian Analisis</a:t>
+                  <a:t>Data Alat Elektronik</a:t>
                 </a:r>
-                <a:endParaRPr lang="id-ID" sz="1100">
+                <a:endParaRPr lang="id-ID" sz="2400" dirty="0">
                   <a:effectLst/>
                   <a:latin typeface="Estrangelo Edessa" panose="03080600000000000000" pitchFamily="66" charset="0"/>
                   <a:ea typeface="Calibri" panose="020F0502020204030204" pitchFamily="34" charset="0"/>
@@ -7749,557 +7944,15 @@
               </a:p>
             </p:txBody>
           </p:sp>
-        </p:grpSp>
-        <p:sp>
-          <p:nvSpPr>
-            <p:cNvPr id="6" name="Freeform 5"/>
-            <p:cNvSpPr>
-              <a:spLocks noEditPoints="1" noChangeArrowheads="1"/>
-            </p:cNvSpPr>
-            <p:nvPr/>
-          </p:nvSpPr>
-          <p:spPr bwMode="auto">
-            <a:xfrm>
-              <a:off x="1962150" y="390525"/>
-              <a:ext cx="1180465" cy="1074420"/>
-            </a:xfrm>
-            <a:custGeom>
-              <a:avLst/>
-              <a:gdLst>
-                <a:gd name="T0" fmla="*/ 0 w 21600"/>
-                <a:gd name="T1" fmla="*/ 2800 h 21600"/>
-                <a:gd name="T2" fmla="*/ 3468 w 21600"/>
-                <a:gd name="T3" fmla="*/ 0 h 21600"/>
-                <a:gd name="T4" fmla="*/ 21653 w 21600"/>
-                <a:gd name="T5" fmla="*/ 18828 h 21600"/>
-                <a:gd name="T6" fmla="*/ 19954 w 21600"/>
-                <a:gd name="T7" fmla="*/ 20214 h 21600"/>
-                <a:gd name="T8" fmla="*/ 18256 w 21600"/>
-                <a:gd name="T9" fmla="*/ 21628 h 21600"/>
-                <a:gd name="T10" fmla="*/ 19954 w 21600"/>
-                <a:gd name="T11" fmla="*/ 1428 h 21600"/>
-                <a:gd name="T12" fmla="*/ 18256 w 21600"/>
-                <a:gd name="T13" fmla="*/ 2800 h 21600"/>
-                <a:gd name="T14" fmla="*/ 1645 w 21600"/>
-                <a:gd name="T15" fmla="*/ 1428 h 21600"/>
-                <a:gd name="T16" fmla="*/ 21600 w 21600"/>
-                <a:gd name="T17" fmla="*/ 0 h 21600"/>
-                <a:gd name="T18" fmla="*/ 10800 w 21600"/>
-                <a:gd name="T19" fmla="*/ 0 h 21600"/>
-                <a:gd name="T20" fmla="*/ 0 w 21600"/>
-                <a:gd name="T21" fmla="*/ 10800 h 21600"/>
-                <a:gd name="T22" fmla="*/ 21600 w 21600"/>
-                <a:gd name="T23" fmla="*/ 10800 h 21600"/>
-                <a:gd name="T24" fmla="*/ 1645 w 21600"/>
-                <a:gd name="T25" fmla="*/ 4171 h 21600"/>
-                <a:gd name="T26" fmla="*/ 16522 w 21600"/>
-                <a:gd name="T27" fmla="*/ 17314 h 21600"/>
-              </a:gdLst>
-              <a:ahLst/>
-              <a:cxnLst>
-                <a:cxn ang="0">
-                  <a:pos x="T0" y="T1"/>
-                </a:cxn>
-                <a:cxn ang="0">
-                  <a:pos x="T2" y="T3"/>
-                </a:cxn>
-                <a:cxn ang="0">
-                  <a:pos x="T4" y="T5"/>
-                </a:cxn>
-                <a:cxn ang="0">
-                  <a:pos x="T6" y="T7"/>
-                </a:cxn>
-                <a:cxn ang="0">
-                  <a:pos x="T8" y="T9"/>
-                </a:cxn>
-                <a:cxn ang="0">
-                  <a:pos x="T10" y="T11"/>
-                </a:cxn>
-                <a:cxn ang="0">
-                  <a:pos x="T12" y="T13"/>
-                </a:cxn>
-                <a:cxn ang="0">
-                  <a:pos x="T14" y="T15"/>
-                </a:cxn>
-                <a:cxn ang="0">
-                  <a:pos x="T16" y="T17"/>
-                </a:cxn>
-                <a:cxn ang="0">
-                  <a:pos x="T18" y="T19"/>
-                </a:cxn>
-                <a:cxn ang="0">
-                  <a:pos x="T20" y="T21"/>
-                </a:cxn>
-                <a:cxn ang="0">
-                  <a:pos x="T22" y="T23"/>
-                </a:cxn>
-              </a:cxnLst>
-              <a:rect l="T24" t="T25" r="T26" b="T27"/>
-              <a:pathLst>
-                <a:path w="21600" h="21600" extrusionOk="0">
-                  <a:moveTo>
-                    <a:pt x="0" y="18014"/>
-                  </a:moveTo>
-                  <a:lnTo>
-                    <a:pt x="0" y="2800"/>
-                  </a:lnTo>
-                  <a:lnTo>
-                    <a:pt x="1645" y="2800"/>
-                  </a:lnTo>
-                  <a:lnTo>
-                    <a:pt x="1645" y="1428"/>
-                  </a:lnTo>
-                  <a:lnTo>
-                    <a:pt x="3468" y="1428"/>
-                  </a:lnTo>
-                  <a:lnTo>
-                    <a:pt x="3468" y="0"/>
-                  </a:lnTo>
-                  <a:lnTo>
-                    <a:pt x="21653" y="0"/>
-                  </a:lnTo>
-                  <a:lnTo>
-                    <a:pt x="21653" y="18828"/>
-                  </a:lnTo>
-                  <a:lnTo>
-                    <a:pt x="19954" y="18828"/>
-                  </a:lnTo>
-                  <a:lnTo>
-                    <a:pt x="19954" y="20214"/>
-                  </a:lnTo>
-                  <a:lnTo>
-                    <a:pt x="18256" y="20214"/>
-                  </a:lnTo>
-                  <a:lnTo>
-                    <a:pt x="18256" y="21600"/>
-                  </a:lnTo>
-                  <a:lnTo>
-                    <a:pt x="4434" y="21600"/>
-                  </a:lnTo>
-                  <a:lnTo>
-                    <a:pt x="0" y="18014"/>
-                  </a:lnTo>
-                  <a:close/>
-                </a:path>
-                <a:path w="21600" h="21600" extrusionOk="0">
-                  <a:moveTo>
-                    <a:pt x="3486" y="1428"/>
-                  </a:moveTo>
-                  <a:lnTo>
-                    <a:pt x="19954" y="1428"/>
-                  </a:lnTo>
-                  <a:lnTo>
-                    <a:pt x="19954" y="20214"/>
-                  </a:lnTo>
-                  <a:lnTo>
-                    <a:pt x="18256" y="20214"/>
-                  </a:lnTo>
-                  <a:lnTo>
-                    <a:pt x="18256" y="2800"/>
-                  </a:lnTo>
-                  <a:lnTo>
-                    <a:pt x="1645" y="2800"/>
-                  </a:lnTo>
-                  <a:lnTo>
-                    <a:pt x="1645" y="1428"/>
-                  </a:lnTo>
-                  <a:lnTo>
-                    <a:pt x="3486" y="1428"/>
-                  </a:lnTo>
-                  <a:close/>
-                </a:path>
-                <a:path w="21600" h="21600" extrusionOk="0">
-                  <a:moveTo>
-                    <a:pt x="0" y="18014"/>
-                  </a:moveTo>
-                  <a:lnTo>
-                    <a:pt x="4434" y="18000"/>
-                  </a:lnTo>
-                  <a:lnTo>
-                    <a:pt x="4434" y="21600"/>
-                  </a:lnTo>
-                  <a:lnTo>
-                    <a:pt x="0" y="18014"/>
-                  </a:lnTo>
-                  <a:close/>
-                </a:path>
-              </a:pathLst>
-            </a:custGeom>
-            <a:solidFill>
-              <a:srgbClr val="D8EBB3"/>
-            </a:solidFill>
-            <a:ln w="9525">
-              <a:solidFill>
-                <a:srgbClr val="000000"/>
-              </a:solidFill>
-              <a:miter lim="800000"/>
-              <a:headEnd/>
-              <a:tailEnd/>
-            </a:ln>
-            <a:effectLst>
-              <a:outerShdw dist="107763" dir="2700000" algn="ctr" rotWithShape="0">
-                <a:srgbClr val="808080"/>
-              </a:outerShdw>
-            </a:effectLst>
-          </p:spPr>
-          <p:txBody>
-            <a:bodyPr rot="0" vert="horz" wrap="square" lIns="91440" tIns="45720" rIns="91440" bIns="45720" anchor="t" anchorCtr="0" upright="1">
-              <a:noAutofit/>
-            </a:bodyPr>
-            <a:lstStyle/>
-            <a:p>
-              <a:pPr marL="0" marR="0">
-                <a:lnSpc>
-                  <a:spcPct val="107000"/>
-                </a:lnSpc>
-                <a:spcBef>
-                  <a:spcPts val="0"/>
-                </a:spcBef>
-                <a:spcAft>
-                  <a:spcPts val="800"/>
-                </a:spcAft>
-              </a:pPr>
-              <a:r>
-                <a:rPr lang="en-US" sz="1100">
-                  <a:effectLst/>
-                  <a:latin typeface="Estrangelo Edessa" panose="03080600000000000000" pitchFamily="66" charset="0"/>
-                  <a:ea typeface="Calibri" panose="020F0502020204030204" pitchFamily="34" charset="0"/>
-                  <a:cs typeface="Times New Roman" panose="02020603050405020304" pitchFamily="18" charset="0"/>
-                </a:rPr>
-                <a:t>             Data Warehouse</a:t>
-              </a:r>
-              <a:endParaRPr lang="id-ID" sz="1100">
-                <a:effectLst/>
-                <a:latin typeface="Estrangelo Edessa" panose="03080600000000000000" pitchFamily="66" charset="0"/>
-                <a:ea typeface="Calibri" panose="020F0502020204030204" pitchFamily="34" charset="0"/>
-                <a:cs typeface="Times New Roman" panose="02020603050405020304" pitchFamily="18" charset="0"/>
-              </a:endParaRPr>
-            </a:p>
-          </p:txBody>
-        </p:sp>
-        <p:sp>
-          <p:nvSpPr>
-            <p:cNvPr id="7" name="Freeform 6"/>
-            <p:cNvSpPr>
-              <a:spLocks noEditPoints="1" noChangeArrowheads="1"/>
-            </p:cNvSpPr>
-            <p:nvPr/>
-          </p:nvSpPr>
-          <p:spPr bwMode="auto">
-            <a:xfrm>
-              <a:off x="0" y="447675"/>
-              <a:ext cx="904875" cy="904875"/>
-            </a:xfrm>
-            <a:custGeom>
-              <a:avLst/>
-              <a:gdLst>
-                <a:gd name="T0" fmla="*/ 10800 w 21600"/>
-                <a:gd name="T1" fmla="*/ 0 h 21600"/>
-                <a:gd name="T2" fmla="*/ 0 w 21600"/>
-                <a:gd name="T3" fmla="*/ 0 h 21600"/>
-                <a:gd name="T4" fmla="*/ 0 w 21600"/>
-                <a:gd name="T5" fmla="*/ 10800 h 21600"/>
-                <a:gd name="T6" fmla="*/ 0 w 21600"/>
-                <a:gd name="T7" fmla="*/ 20367 h 21600"/>
-                <a:gd name="T8" fmla="*/ 10800 w 21600"/>
-                <a:gd name="T9" fmla="*/ 21600 h 21600"/>
-                <a:gd name="T10" fmla="*/ 21600 w 21600"/>
-                <a:gd name="T11" fmla="*/ 20367 h 21600"/>
-                <a:gd name="T12" fmla="*/ 21600 w 21600"/>
-                <a:gd name="T13" fmla="*/ 10800 h 21600"/>
-                <a:gd name="T14" fmla="*/ 21600 w 21600"/>
-                <a:gd name="T15" fmla="*/ 0 h 21600"/>
-                <a:gd name="T16" fmla="*/ 1004 w 21600"/>
-                <a:gd name="T17" fmla="*/ 511 h 21600"/>
-                <a:gd name="T18" fmla="*/ 20542 w 21600"/>
-                <a:gd name="T19" fmla="*/ 19765 h 21600"/>
-              </a:gdLst>
-              <a:ahLst/>
-              <a:cxnLst>
-                <a:cxn ang="0">
-                  <a:pos x="T0" y="T1"/>
-                </a:cxn>
-                <a:cxn ang="0">
-                  <a:pos x="T2" y="T3"/>
-                </a:cxn>
-                <a:cxn ang="0">
-                  <a:pos x="T4" y="T5"/>
-                </a:cxn>
-                <a:cxn ang="0">
-                  <a:pos x="T6" y="T7"/>
-                </a:cxn>
-                <a:cxn ang="0">
-                  <a:pos x="T8" y="T9"/>
-                </a:cxn>
-                <a:cxn ang="0">
-                  <a:pos x="T10" y="T11"/>
-                </a:cxn>
-                <a:cxn ang="0">
-                  <a:pos x="T12" y="T13"/>
-                </a:cxn>
-                <a:cxn ang="0">
-                  <a:pos x="T14" y="T15"/>
-                </a:cxn>
-              </a:cxnLst>
-              <a:rect l="T16" t="T17" r="T18" b="T19"/>
-              <a:pathLst>
-                <a:path w="21600" h="21600" extrusionOk="0">
-                  <a:moveTo>
-                    <a:pt x="10800" y="0"/>
-                  </a:moveTo>
-                  <a:lnTo>
-                    <a:pt x="0" y="0"/>
-                  </a:lnTo>
-                  <a:lnTo>
-                    <a:pt x="0" y="10800"/>
-                  </a:lnTo>
-                  <a:lnTo>
-                    <a:pt x="0" y="20367"/>
-                  </a:lnTo>
-                  <a:lnTo>
-                    <a:pt x="5807" y="20367"/>
-                  </a:lnTo>
-                  <a:lnTo>
-                    <a:pt x="5807" y="20637"/>
-                  </a:lnTo>
-                  <a:lnTo>
-                    <a:pt x="5970" y="20818"/>
-                  </a:lnTo>
-                  <a:lnTo>
-                    <a:pt x="6133" y="20968"/>
-                  </a:lnTo>
-                  <a:lnTo>
-                    <a:pt x="6404" y="21239"/>
-                  </a:lnTo>
-                  <a:lnTo>
-                    <a:pt x="6567" y="21419"/>
-                  </a:lnTo>
-                  <a:lnTo>
-                    <a:pt x="7055" y="21510"/>
-                  </a:lnTo>
-                  <a:lnTo>
-                    <a:pt x="7544" y="21600"/>
-                  </a:lnTo>
-                  <a:lnTo>
-                    <a:pt x="8141" y="21600"/>
-                  </a:lnTo>
-                  <a:lnTo>
-                    <a:pt x="10800" y="21600"/>
-                  </a:lnTo>
-                  <a:lnTo>
-                    <a:pt x="13188" y="21600"/>
-                  </a:lnTo>
-                  <a:lnTo>
-                    <a:pt x="13948" y="21600"/>
-                  </a:lnTo>
-                  <a:lnTo>
-                    <a:pt x="14436" y="21510"/>
-                  </a:lnTo>
-                  <a:lnTo>
-                    <a:pt x="14708" y="21419"/>
-                  </a:lnTo>
-                  <a:lnTo>
-                    <a:pt x="15033" y="21239"/>
-                  </a:lnTo>
-                  <a:lnTo>
-                    <a:pt x="15359" y="20968"/>
-                  </a:lnTo>
-                  <a:lnTo>
-                    <a:pt x="15522" y="20818"/>
-                  </a:lnTo>
-                  <a:lnTo>
-                    <a:pt x="15684" y="20637"/>
-                  </a:lnTo>
-                  <a:lnTo>
-                    <a:pt x="15684" y="20367"/>
-                  </a:lnTo>
-                  <a:lnTo>
-                    <a:pt x="21600" y="20367"/>
-                  </a:lnTo>
-                  <a:lnTo>
-                    <a:pt x="21600" y="10800"/>
-                  </a:lnTo>
-                  <a:lnTo>
-                    <a:pt x="21600" y="0"/>
-                  </a:lnTo>
-                  <a:lnTo>
-                    <a:pt x="10800" y="0"/>
-                  </a:lnTo>
-                  <a:close/>
-                  <a:moveTo>
-                    <a:pt x="7055" y="20367"/>
-                  </a:moveTo>
-                  <a:lnTo>
-                    <a:pt x="7055" y="20547"/>
-                  </a:lnTo>
-                  <a:lnTo>
-                    <a:pt x="7055" y="20637"/>
-                  </a:lnTo>
-                  <a:lnTo>
-                    <a:pt x="7218" y="20728"/>
-                  </a:lnTo>
-                  <a:lnTo>
-                    <a:pt x="7381" y="20818"/>
-                  </a:lnTo>
-                  <a:lnTo>
-                    <a:pt x="7544" y="20908"/>
-                  </a:lnTo>
-                  <a:lnTo>
-                    <a:pt x="7707" y="20968"/>
-                  </a:lnTo>
-                  <a:lnTo>
-                    <a:pt x="7815" y="20968"/>
-                  </a:lnTo>
-                  <a:lnTo>
-                    <a:pt x="8141" y="20968"/>
-                  </a:lnTo>
-                  <a:lnTo>
-                    <a:pt x="13188" y="20968"/>
-                  </a:lnTo>
-                  <a:lnTo>
-                    <a:pt x="13459" y="20968"/>
-                  </a:lnTo>
-                  <a:lnTo>
-                    <a:pt x="13785" y="20968"/>
-                  </a:lnTo>
-                  <a:lnTo>
-                    <a:pt x="13948" y="20908"/>
-                  </a:lnTo>
-                  <a:lnTo>
-                    <a:pt x="14111" y="20818"/>
-                  </a:lnTo>
-                  <a:lnTo>
-                    <a:pt x="14273" y="20728"/>
-                  </a:lnTo>
-                  <a:lnTo>
-                    <a:pt x="14273" y="20637"/>
-                  </a:lnTo>
-                  <a:lnTo>
-                    <a:pt x="14436" y="20547"/>
-                  </a:lnTo>
-                  <a:lnTo>
-                    <a:pt x="14436" y="20367"/>
-                  </a:lnTo>
-                  <a:lnTo>
-                    <a:pt x="7055" y="20367"/>
-                  </a:lnTo>
-                  <a:close/>
-                </a:path>
-                <a:path w="21600" h="21600" extrusionOk="0">
-                  <a:moveTo>
-                    <a:pt x="7055" y="20367"/>
-                  </a:moveTo>
-                  <a:lnTo>
-                    <a:pt x="5807" y="20367"/>
-                  </a:lnTo>
-                  <a:lnTo>
-                    <a:pt x="21600" y="20367"/>
-                  </a:lnTo>
-                </a:path>
-              </a:pathLst>
-            </a:custGeom>
-            <a:solidFill>
-              <a:srgbClr val="C0C0C0"/>
-            </a:solidFill>
-            <a:ln w="9525">
-              <a:solidFill>
-                <a:srgbClr val="000000"/>
-              </a:solidFill>
-              <a:miter lim="800000"/>
-              <a:headEnd/>
-              <a:tailEnd/>
-            </a:ln>
-            <a:effectLst>
-              <a:outerShdw dist="107763" dir="2700000" algn="ctr" rotWithShape="0">
-                <a:srgbClr val="808080"/>
-              </a:outerShdw>
-            </a:effectLst>
-          </p:spPr>
-          <p:txBody>
-            <a:bodyPr rot="0" vert="horz" wrap="square" lIns="91440" tIns="45720" rIns="91440" bIns="45720" anchor="t" anchorCtr="0" upright="1">
-              <a:noAutofit/>
-            </a:bodyPr>
-            <a:lstStyle/>
-            <a:p>
-              <a:pPr marL="0" marR="0">
-                <a:lnSpc>
-                  <a:spcPct val="107000"/>
-                </a:lnSpc>
-                <a:spcBef>
-                  <a:spcPts val="0"/>
-                </a:spcBef>
-                <a:spcAft>
-                  <a:spcPts val="800"/>
-                </a:spcAft>
-              </a:pPr>
-              <a:r>
-                <a:rPr lang="id-ID" sz="1100">
-                  <a:effectLst/>
-                  <a:latin typeface="Estrangelo Edessa" panose="03080600000000000000" pitchFamily="66" charset="0"/>
-                  <a:ea typeface="Calibri" panose="020F0502020204030204" pitchFamily="34" charset="0"/>
-                  <a:cs typeface="Times New Roman" panose="02020603050405020304" pitchFamily="18" charset="0"/>
-                </a:rPr>
-                <a:t>Business Intelligence </a:t>
-              </a:r>
-            </a:p>
-          </p:txBody>
-        </p:sp>
-        <p:cxnSp>
-          <p:nvCxnSpPr>
-            <p:cNvPr id="8" name="Straight Arrow Connector 7"/>
-            <p:cNvCxnSpPr/>
-            <p:nvPr/>
-          </p:nvCxnSpPr>
-          <p:spPr>
-            <a:xfrm flipH="1">
-              <a:off x="3333750" y="581025"/>
-              <a:ext cx="533400" cy="381000"/>
-            </a:xfrm>
-            <a:prstGeom prst="straightConnector1">
-              <a:avLst/>
-            </a:prstGeom>
-            <a:ln>
-              <a:tailEnd type="triangle"/>
-            </a:ln>
-          </p:spPr>
-          <p:style>
-            <a:lnRef idx="1">
-              <a:schemeClr val="accent1"/>
-            </a:lnRef>
-            <a:fillRef idx="0">
-              <a:schemeClr val="accent1"/>
-            </a:fillRef>
-            <a:effectRef idx="0">
-              <a:schemeClr val="accent1"/>
-            </a:effectRef>
-            <a:fontRef idx="minor">
-              <a:schemeClr val="tx1"/>
-            </a:fontRef>
-          </p:style>
-        </p:cxnSp>
-        <p:grpSp>
-          <p:nvGrpSpPr>
-            <p:cNvPr id="9" name="Group 8"/>
-            <p:cNvGrpSpPr/>
-            <p:nvPr/>
-          </p:nvGrpSpPr>
-          <p:grpSpPr>
-            <a:xfrm>
-              <a:off x="3914775" y="1000125"/>
-              <a:ext cx="1285875" cy="781050"/>
-              <a:chOff x="0" y="0"/>
-              <a:chExt cx="1285875" cy="781050"/>
-            </a:xfrm>
-          </p:grpSpPr>
           <p:sp>
             <p:nvSpPr>
-              <p:cNvPr id="11" name="Oval 10"/>
+              <p:cNvPr id="17" name="Oval 16"/>
               <p:cNvSpPr/>
               <p:nvPr/>
             </p:nvSpPr>
             <p:spPr>
               <a:xfrm>
-                <a:off x="0" y="0"/>
+                <a:off x="-1909831" y="-408879"/>
                 <a:ext cx="1285875" cy="781050"/>
               </a:xfrm>
               <a:prstGeom prst="ellipse">
@@ -8337,14 +7990,14 @@
           </p:sp>
           <p:sp>
             <p:nvSpPr>
-              <p:cNvPr id="12" name="Text Box 36"/>
+              <p:cNvPr id="18" name="Text Box 36"/>
               <p:cNvSpPr txBox="1"/>
               <p:nvPr/>
             </p:nvSpPr>
             <p:spPr>
               <a:xfrm>
-                <a:off x="266700" y="171450"/>
-                <a:ext cx="745591" cy="438150"/>
+                <a:off x="-1596232" y="-174506"/>
+                <a:ext cx="766582" cy="349011"/>
               </a:xfrm>
               <a:prstGeom prst="rect">
                 <a:avLst/>
@@ -8392,7 +8045,7 @@
                   </a:spcAft>
                 </a:pPr>
                 <a:r>
-                  <a:rPr lang="id-ID" sz="1100">
+                  <a:rPr lang="id-ID" sz="2400" dirty="0" smtClean="0">
                     <a:solidFill>
                       <a:srgbClr val="FFFFFF"/>
                     </a:solidFill>
@@ -8401,9 +8054,86 @@
                     <a:ea typeface="Calibri" panose="020F0502020204030204" pitchFamily="34" charset="0"/>
                     <a:cs typeface="Times New Roman" panose="02020603050405020304" pitchFamily="18" charset="0"/>
                   </a:rPr>
-                  <a:t>Sistem DataBase</a:t>
+                  <a:t>Data Alat Elektronik</a:t>
                 </a:r>
-                <a:endParaRPr lang="id-ID" sz="1100">
+                <a:endParaRPr lang="id-ID" sz="2400" dirty="0">
+                  <a:effectLst/>
+                  <a:latin typeface="Estrangelo Edessa" panose="03080600000000000000" pitchFamily="66" charset="0"/>
+                  <a:ea typeface="Calibri" panose="020F0502020204030204" pitchFamily="34" charset="0"/>
+                  <a:cs typeface="Times New Roman" panose="02020603050405020304" pitchFamily="18" charset="0"/>
+                </a:endParaRPr>
+              </a:p>
+            </p:txBody>
+          </p:sp>
+          <p:sp>
+            <p:nvSpPr>
+              <p:cNvPr id="19" name="Text Box 36"/>
+              <p:cNvSpPr txBox="1"/>
+              <p:nvPr/>
+            </p:nvSpPr>
+            <p:spPr>
+              <a:xfrm>
+                <a:off x="-1650185" y="-242100"/>
+                <a:ext cx="766582" cy="398251"/>
+              </a:xfrm>
+              <a:prstGeom prst="rect">
+                <a:avLst/>
+              </a:prstGeom>
+              <a:solidFill>
+                <a:schemeClr val="accent1"/>
+              </a:solidFill>
+              <a:ln w="6350">
+                <a:noFill/>
+              </a:ln>
+              <a:effectLst/>
+            </p:spPr>
+            <p:style>
+              <a:lnRef idx="0">
+                <a:schemeClr val="accent1"/>
+              </a:lnRef>
+              <a:fillRef idx="0">
+                <a:schemeClr val="accent1"/>
+              </a:fillRef>
+              <a:effectRef idx="0">
+                <a:schemeClr val="accent1"/>
+              </a:effectRef>
+              <a:fontRef idx="minor">
+                <a:schemeClr val="dk1"/>
+              </a:fontRef>
+            </p:style>
+            <p:txBody>
+              <a:bodyPr rot="0" spcFirstLastPara="0" vert="horz" wrap="square" lIns="91440" tIns="45720" rIns="91440" bIns="45720" numCol="1" spcCol="0" rtlCol="0" fromWordArt="0" anchor="t" anchorCtr="0" forceAA="0" compatLnSpc="1">
+                <a:prstTxWarp prst="textNoShape">
+                  <a:avLst/>
+                </a:prstTxWarp>
+                <a:noAutofit/>
+              </a:bodyPr>
+              <a:lstStyle/>
+              <a:p>
+                <a:pPr marL="0" marR="0">
+                  <a:lnSpc>
+                    <a:spcPct val="107000"/>
+                  </a:lnSpc>
+                  <a:spcBef>
+                    <a:spcPts val="0"/>
+                  </a:spcBef>
+                  <a:spcAft>
+                    <a:spcPts val="800"/>
+                  </a:spcAft>
+                </a:pPr>
+                <a:r>
+                  <a:rPr lang="id-ID" sz="2400" dirty="0" smtClean="0">
+                    <a:solidFill>
+                      <a:srgbClr val="FFFFFF"/>
+                    </a:solidFill>
+                    <a:effectLst/>
+                    <a:latin typeface="Estrangelo Edessa" panose="03080600000000000000" pitchFamily="66" charset="0"/>
+                    <a:ea typeface="Calibri" panose="020F0502020204030204" pitchFamily="34" charset="0"/>
+                    <a:cs typeface="Times New Roman" panose="02020603050405020304" pitchFamily="18" charset="0"/>
+                  </a:rPr>
+                  <a:t>Data Fitur dari setiap alat</a:t>
+                </a:r>
+                <a:endParaRPr lang="id-ID" sz="2400" dirty="0">
                   <a:effectLst/>
                   <a:latin typeface="Estrangelo Edessa" panose="03080600000000000000" pitchFamily="66" charset="0"/>
                   <a:ea typeface="Calibri" panose="020F0502020204030204" pitchFamily="34" charset="0"/>
@@ -8421,8 +8151,8 @@
           </p:nvCxnSpPr>
           <p:spPr>
             <a:xfrm flipH="1" flipV="1">
-              <a:off x="3352800" y="1066800"/>
-              <a:ext cx="476250" cy="371475"/>
+              <a:off x="3352800" y="1066801"/>
+              <a:ext cx="672761" cy="358"/>
             </a:xfrm>
             <a:prstGeom prst="straightConnector1">
               <a:avLst/>
@@ -8447,39 +8177,6 @@
           </p:style>
         </p:cxnSp>
       </p:grpSp>
-      <p:cxnSp>
-        <p:nvCxnSpPr>
-          <p:cNvPr id="16" name="Straight Arrow Connector 15"/>
-          <p:cNvCxnSpPr/>
-          <p:nvPr/>
-        </p:nvCxnSpPr>
-        <p:spPr>
-          <a:xfrm flipH="1">
-            <a:off x="3669475" y="4025735"/>
-            <a:ext cx="1033154" cy="0"/>
-          </a:xfrm>
-          <a:prstGeom prst="straightConnector1">
-            <a:avLst/>
-          </a:prstGeom>
-          <a:ln>
-            <a:tailEnd type="triangle"/>
-          </a:ln>
-        </p:spPr>
-        <p:style>
-          <a:lnRef idx="1">
-            <a:schemeClr val="accent1"/>
-          </a:lnRef>
-          <a:fillRef idx="0">
-            <a:schemeClr val="accent1"/>
-          </a:fillRef>
-          <a:effectRef idx="0">
-            <a:schemeClr val="accent1"/>
-          </a:effectRef>
-          <a:fontRef idx="minor">
-            <a:schemeClr val="tx1"/>
-          </a:fontRef>
-        </p:style>
-      </p:cxnSp>
     </p:spTree>
     <p:extLst>
       <p:ext uri="{BB962C8B-B14F-4D97-AF65-F5344CB8AC3E}">
@@ -8490,10 +8187,17 @@
   <p:clrMapOvr>
     <a:masterClrMapping/>
   </p:clrMapOvr>
+  <p:timing>
+    <p:tnLst>
+      <p:par>
+        <p:cTn id="1" dur="indefinite" restart="never" nodeType="tmRoot"/>
+      </p:par>
+    </p:tnLst>
+  </p:timing>
 </p:sld>
 </file>
 
-<file path=ppt/slides/slide16.xml><?xml version="1.0" encoding="utf-8"?>
+<file path=ppt/slides/slide17.xml><?xml version="1.0" encoding="utf-8"?>
 <p:sld xmlns:a="http://schemas.openxmlformats.org/drawingml/2006/main" xmlns:r="http://schemas.openxmlformats.org/officeDocument/2006/relationships" xmlns:p="http://schemas.openxmlformats.org/presentationml/2006/main">
   <p:cSld>
     <p:spTree>
@@ -8559,346 +8263,442 @@
       </p:sp>
       <p:grpSp>
         <p:nvGrpSpPr>
-          <p:cNvPr id="4" name="Group 3"/>
+          <p:cNvPr id="12" name="Group 11"/>
           <p:cNvGrpSpPr/>
           <p:nvPr/>
         </p:nvGrpSpPr>
         <p:grpSpPr>
           <a:xfrm>
-            <a:off x="2433075" y="2612571"/>
-            <a:ext cx="7315199" cy="3800104"/>
+            <a:off x="1326525" y="2472744"/>
+            <a:ext cx="9156878" cy="4082602"/>
             <a:chOff x="0" y="0"/>
-            <a:chExt cx="5724525" cy="2352675"/>
+            <a:chExt cx="5724525" cy="2324100"/>
           </a:xfrm>
         </p:grpSpPr>
-        <p:sp>
-          <p:nvSpPr>
-            <p:cNvPr id="5" name="Oval 4"/>
-            <p:cNvSpPr/>
+        <p:grpSp>
+          <p:nvGrpSpPr>
+            <p:cNvPr id="13" name="Group 12"/>
+            <p:cNvGrpSpPr/>
             <p:nvPr/>
-          </p:nvSpPr>
-          <p:spPr>
+          </p:nvGrpSpPr>
+          <p:grpSpPr>
             <a:xfrm>
-              <a:off x="0" y="19050"/>
-              <a:ext cx="1285875" cy="781050"/>
+              <a:off x="0" y="0"/>
+              <a:ext cx="5724525" cy="2324100"/>
+              <a:chOff x="0" y="0"/>
+              <a:chExt cx="5724525" cy="2324100"/>
             </a:xfrm>
-            <a:prstGeom prst="ellipse">
-              <a:avLst/>
-            </a:prstGeom>
-          </p:spPr>
-          <p:style>
-            <a:lnRef idx="2">
-              <a:schemeClr val="accent1">
-                <a:shade val="50000"/>
-              </a:schemeClr>
-            </a:lnRef>
-            <a:fillRef idx="1">
-              <a:schemeClr val="accent1"/>
-            </a:fillRef>
-            <a:effectRef idx="0">
-              <a:schemeClr val="accent1"/>
-            </a:effectRef>
-            <a:fontRef idx="minor">
-              <a:schemeClr val="lt1"/>
-            </a:fontRef>
-          </p:style>
-          <p:txBody>
-            <a:bodyPr rot="0" spcFirstLastPara="0" vert="horz" wrap="square" lIns="91440" tIns="45720" rIns="91440" bIns="45720" numCol="1" spcCol="0" rtlCol="0" fromWordArt="0" anchor="ctr" anchorCtr="0" forceAA="0" compatLnSpc="1">
-              <a:prstTxWarp prst="textNoShape">
+          </p:grpSpPr>
+          <p:sp>
+            <p:nvSpPr>
+              <p:cNvPr id="15" name="Oval 14"/>
+              <p:cNvSpPr/>
+              <p:nvPr/>
+            </p:nvSpPr>
+            <p:spPr>
+              <a:xfrm>
+                <a:off x="0" y="19050"/>
+                <a:ext cx="1285875" cy="781050"/>
+              </a:xfrm>
+              <a:prstGeom prst="ellipse">
                 <a:avLst/>
-              </a:prstTxWarp>
-              <a:noAutofit/>
-            </a:bodyPr>
-            <a:lstStyle/>
-            <a:p>
-              <a:pPr marL="0" marR="0" algn="ctr">
-                <a:lnSpc>
-                  <a:spcPct val="107000"/>
-                </a:lnSpc>
-                <a:spcBef>
-                  <a:spcPts val="0"/>
-                </a:spcBef>
-                <a:spcAft>
-                  <a:spcPts val="800"/>
-                </a:spcAft>
-              </a:pPr>
-              <a:r>
-                <a:rPr lang="id-ID" sz="1100">
-                  <a:effectLst/>
-                  <a:latin typeface="Estrangelo Edessa" panose="03080600000000000000" pitchFamily="66" charset="0"/>
-                  <a:ea typeface="Calibri" panose="020F0502020204030204" pitchFamily="34" charset="0"/>
-                  <a:cs typeface="Times New Roman" panose="02020603050405020304" pitchFamily="18" charset="0"/>
-                </a:rPr>
-                <a:t>User</a:t>
-              </a:r>
-            </a:p>
-          </p:txBody>
-        </p:sp>
-        <p:sp>
-          <p:nvSpPr>
-            <p:cNvPr id="6" name="Oval 5"/>
-            <p:cNvSpPr/>
-            <p:nvPr/>
-          </p:nvSpPr>
-          <p:spPr>
-            <a:xfrm>
-              <a:off x="2133600" y="28575"/>
-              <a:ext cx="1285875" cy="781050"/>
-            </a:xfrm>
-            <a:prstGeom prst="ellipse">
-              <a:avLst/>
-            </a:prstGeom>
-          </p:spPr>
-          <p:style>
-            <a:lnRef idx="2">
-              <a:schemeClr val="accent1">
-                <a:shade val="50000"/>
-              </a:schemeClr>
-            </a:lnRef>
-            <a:fillRef idx="1">
-              <a:schemeClr val="accent1"/>
-            </a:fillRef>
-            <a:effectRef idx="0">
-              <a:schemeClr val="accent1"/>
-            </a:effectRef>
-            <a:fontRef idx="minor">
-              <a:schemeClr val="lt1"/>
-            </a:fontRef>
-          </p:style>
-          <p:txBody>
-            <a:bodyPr rot="0" spcFirstLastPara="0" vert="horz" wrap="square" lIns="91440" tIns="45720" rIns="91440" bIns="45720" numCol="1" spcCol="0" rtlCol="0" fromWordArt="0" anchor="ctr" anchorCtr="0" forceAA="0" compatLnSpc="1">
-              <a:prstTxWarp prst="textNoShape">
+              </a:prstGeom>
+            </p:spPr>
+            <p:style>
+              <a:lnRef idx="2">
+                <a:schemeClr val="accent1">
+                  <a:shade val="50000"/>
+                </a:schemeClr>
+              </a:lnRef>
+              <a:fillRef idx="1">
+                <a:schemeClr val="accent1"/>
+              </a:fillRef>
+              <a:effectRef idx="0">
+                <a:schemeClr val="accent1"/>
+              </a:effectRef>
+              <a:fontRef idx="minor">
+                <a:schemeClr val="lt1"/>
+              </a:fontRef>
+            </p:style>
+            <p:txBody>
+              <a:bodyPr rot="0" spcFirstLastPara="0" vert="horz" wrap="square" lIns="91440" tIns="45720" rIns="91440" bIns="45720" numCol="1" spcCol="0" rtlCol="0" fromWordArt="0" anchor="ctr" anchorCtr="0" forceAA="0" compatLnSpc="1">
+                <a:prstTxWarp prst="textNoShape">
+                  <a:avLst/>
+                </a:prstTxWarp>
+                <a:noAutofit/>
+              </a:bodyPr>
+              <a:lstStyle/>
+              <a:p>
+                <a:pPr algn="ctr">
+                  <a:lnSpc>
+                    <a:spcPct val="107000"/>
+                  </a:lnSpc>
+                  <a:spcAft>
+                    <a:spcPts val="800"/>
+                  </a:spcAft>
+                </a:pPr>
+                <a:r>
+                  <a:rPr lang="id-ID" sz="3600" dirty="0">
+                    <a:effectLst/>
+                    <a:latin typeface="Estrangelo Edessa" panose="03080600000000000000" pitchFamily="66" charset="0"/>
+                    <a:ea typeface="Calibri" panose="020F0502020204030204" pitchFamily="34" charset="0"/>
+                    <a:cs typeface="Times New Roman" panose="02020603050405020304" pitchFamily="18" charset="0"/>
+                  </a:rPr>
+                  <a:t>User</a:t>
+                </a:r>
+              </a:p>
+            </p:txBody>
+          </p:sp>
+          <p:sp>
+            <p:nvSpPr>
+              <p:cNvPr id="16" name="Oval 15"/>
+              <p:cNvSpPr/>
+              <p:nvPr/>
+            </p:nvSpPr>
+            <p:spPr>
+              <a:xfrm>
+                <a:off x="2133600" y="28575"/>
+                <a:ext cx="1285875" cy="781050"/>
+              </a:xfrm>
+              <a:prstGeom prst="ellipse">
                 <a:avLst/>
-              </a:prstTxWarp>
-              <a:noAutofit/>
-            </a:bodyPr>
-            <a:lstStyle/>
-            <a:p>
-              <a:pPr marL="0" marR="0" algn="ctr">
-                <a:lnSpc>
-                  <a:spcPct val="107000"/>
-                </a:lnSpc>
-                <a:spcBef>
-                  <a:spcPts val="0"/>
-                </a:spcBef>
-                <a:spcAft>
-                  <a:spcPts val="800"/>
-                </a:spcAft>
-              </a:pPr>
-              <a:r>
-                <a:rPr lang="id-ID" sz="1100">
-                  <a:effectLst/>
-                  <a:latin typeface="Estrangelo Edessa" panose="03080600000000000000" pitchFamily="66" charset="0"/>
-                  <a:ea typeface="Calibri" panose="020F0502020204030204" pitchFamily="34" charset="0"/>
-                  <a:cs typeface="Times New Roman" panose="02020603050405020304" pitchFamily="18" charset="0"/>
-                </a:rPr>
-                <a:t>Tampilan/ Desgin Software</a:t>
-              </a:r>
-            </a:p>
-          </p:txBody>
-        </p:sp>
-        <p:sp>
-          <p:nvSpPr>
-            <p:cNvPr id="7" name="Oval 6"/>
-            <p:cNvSpPr/>
-            <p:nvPr/>
-          </p:nvSpPr>
-          <p:spPr>
-            <a:xfrm>
-              <a:off x="4248150" y="0"/>
-              <a:ext cx="1476375" cy="847725"/>
-            </a:xfrm>
-            <a:prstGeom prst="ellipse">
-              <a:avLst/>
-            </a:prstGeom>
-          </p:spPr>
-          <p:style>
-            <a:lnRef idx="2">
-              <a:schemeClr val="accent1">
-                <a:shade val="50000"/>
-              </a:schemeClr>
-            </a:lnRef>
-            <a:fillRef idx="1">
-              <a:schemeClr val="accent1"/>
-            </a:fillRef>
-            <a:effectRef idx="0">
-              <a:schemeClr val="accent1"/>
-            </a:effectRef>
-            <a:fontRef idx="minor">
-              <a:schemeClr val="lt1"/>
-            </a:fontRef>
-          </p:style>
-          <p:txBody>
-            <a:bodyPr rot="0" spcFirstLastPara="0" vert="horz" wrap="square" lIns="91440" tIns="45720" rIns="91440" bIns="45720" numCol="1" spcCol="0" rtlCol="0" fromWordArt="0" anchor="ctr" anchorCtr="0" forceAA="0" compatLnSpc="1">
-              <a:prstTxWarp prst="textNoShape">
+              </a:prstGeom>
+            </p:spPr>
+            <p:style>
+              <a:lnRef idx="2">
+                <a:schemeClr val="accent1">
+                  <a:shade val="50000"/>
+                </a:schemeClr>
+              </a:lnRef>
+              <a:fillRef idx="1">
+                <a:schemeClr val="accent1"/>
+              </a:fillRef>
+              <a:effectRef idx="0">
+                <a:schemeClr val="accent1"/>
+              </a:effectRef>
+              <a:fontRef idx="minor">
+                <a:schemeClr val="lt1"/>
+              </a:fontRef>
+            </p:style>
+            <p:txBody>
+              <a:bodyPr rot="0" spcFirstLastPara="0" vert="horz" wrap="square" lIns="91440" tIns="45720" rIns="91440" bIns="45720" numCol="1" spcCol="0" rtlCol="0" fromWordArt="0" anchor="ctr" anchorCtr="0" forceAA="0" compatLnSpc="1">
+                <a:prstTxWarp prst="textNoShape">
+                  <a:avLst/>
+                </a:prstTxWarp>
+                <a:noAutofit/>
+              </a:bodyPr>
+              <a:lstStyle/>
+              <a:p>
+                <a:pPr algn="ctr">
+                  <a:lnSpc>
+                    <a:spcPct val="107000"/>
+                  </a:lnSpc>
+                  <a:spcAft>
+                    <a:spcPts val="800"/>
+                  </a:spcAft>
+                </a:pPr>
+                <a:r>
+                  <a:rPr lang="id-ID" sz="2000" dirty="0">
+                    <a:effectLst/>
+                    <a:latin typeface="Estrangelo Edessa" panose="03080600000000000000" pitchFamily="66" charset="0"/>
+                    <a:ea typeface="Calibri" panose="020F0502020204030204" pitchFamily="34" charset="0"/>
+                    <a:cs typeface="Times New Roman" panose="02020603050405020304" pitchFamily="18" charset="0"/>
+                  </a:rPr>
+                  <a:t>Tampilan/ Desgin Software</a:t>
+                </a:r>
+              </a:p>
+            </p:txBody>
+          </p:sp>
+          <p:sp>
+            <p:nvSpPr>
+              <p:cNvPr id="17" name="Oval 16"/>
+              <p:cNvSpPr/>
+              <p:nvPr/>
+            </p:nvSpPr>
+            <p:spPr>
+              <a:xfrm>
+                <a:off x="4248150" y="0"/>
+                <a:ext cx="1476375" cy="847725"/>
+              </a:xfrm>
+              <a:prstGeom prst="ellipse">
                 <a:avLst/>
-              </a:prstTxWarp>
-              <a:noAutofit/>
-            </a:bodyPr>
-            <a:lstStyle/>
-            <a:p>
-              <a:pPr marL="0" marR="0" algn="ctr">
-                <a:lnSpc>
-                  <a:spcPct val="107000"/>
-                </a:lnSpc>
-                <a:spcBef>
-                  <a:spcPts val="0"/>
-                </a:spcBef>
-                <a:spcAft>
-                  <a:spcPts val="800"/>
-                </a:spcAft>
-              </a:pPr>
-              <a:r>
-                <a:rPr lang="id-ID" sz="1100">
-                  <a:effectLst/>
-                  <a:latin typeface="Estrangelo Edessa" panose="03080600000000000000" pitchFamily="66" charset="0"/>
-                  <a:ea typeface="Calibri" panose="020F0502020204030204" pitchFamily="34" charset="0"/>
-                  <a:cs typeface="Times New Roman" panose="02020603050405020304" pitchFamily="18" charset="0"/>
-                </a:rPr>
-                <a:t>Sistem DataBase Alat Elektronik</a:t>
-              </a:r>
-            </a:p>
-          </p:txBody>
-        </p:sp>
-        <p:sp>
-          <p:nvSpPr>
-            <p:cNvPr id="8" name="Oval 7"/>
-            <p:cNvSpPr/>
-            <p:nvPr/>
-          </p:nvSpPr>
-          <p:spPr>
-            <a:xfrm>
-              <a:off x="3733800" y="1562100"/>
-              <a:ext cx="1514475" cy="790575"/>
-            </a:xfrm>
-            <a:prstGeom prst="ellipse">
-              <a:avLst/>
-            </a:prstGeom>
-          </p:spPr>
-          <p:style>
-            <a:lnRef idx="2">
-              <a:schemeClr val="accent1">
-                <a:shade val="50000"/>
-              </a:schemeClr>
-            </a:lnRef>
-            <a:fillRef idx="1">
-              <a:schemeClr val="accent1"/>
-            </a:fillRef>
-            <a:effectRef idx="0">
-              <a:schemeClr val="accent1"/>
-            </a:effectRef>
-            <a:fontRef idx="minor">
-              <a:schemeClr val="lt1"/>
-            </a:fontRef>
-          </p:style>
-          <p:txBody>
-            <a:bodyPr rot="0" spcFirstLastPara="0" vert="horz" wrap="square" lIns="91440" tIns="45720" rIns="91440" bIns="45720" numCol="1" spcCol="0" rtlCol="0" fromWordArt="0" anchor="ctr" anchorCtr="0" forceAA="0" compatLnSpc="1">
-              <a:prstTxWarp prst="textNoShape">
+              </a:prstGeom>
+            </p:spPr>
+            <p:style>
+              <a:lnRef idx="2">
+                <a:schemeClr val="accent1">
+                  <a:shade val="50000"/>
+                </a:schemeClr>
+              </a:lnRef>
+              <a:fillRef idx="1">
+                <a:schemeClr val="accent1"/>
+              </a:fillRef>
+              <a:effectRef idx="0">
+                <a:schemeClr val="accent1"/>
+              </a:effectRef>
+              <a:fontRef idx="minor">
+                <a:schemeClr val="lt1"/>
+              </a:fontRef>
+            </p:style>
+            <p:txBody>
+              <a:bodyPr rot="0" spcFirstLastPara="0" vert="horz" wrap="square" lIns="91440" tIns="45720" rIns="91440" bIns="45720" numCol="1" spcCol="0" rtlCol="0" fromWordArt="0" anchor="ctr" anchorCtr="0" forceAA="0" compatLnSpc="1">
+                <a:prstTxWarp prst="textNoShape">
+                  <a:avLst/>
+                </a:prstTxWarp>
+                <a:noAutofit/>
+              </a:bodyPr>
+              <a:lstStyle/>
+              <a:p>
+                <a:pPr algn="ctr">
+                  <a:lnSpc>
+                    <a:spcPct val="107000"/>
+                  </a:lnSpc>
+                  <a:spcAft>
+                    <a:spcPts val="800"/>
+                  </a:spcAft>
+                </a:pPr>
+                <a:r>
+                  <a:rPr lang="id-ID" sz="2000" dirty="0">
+                    <a:effectLst/>
+                    <a:latin typeface="Estrangelo Edessa" panose="03080600000000000000" pitchFamily="66" charset="0"/>
+                    <a:ea typeface="Calibri" panose="020F0502020204030204" pitchFamily="34" charset="0"/>
+                    <a:cs typeface="Times New Roman" panose="02020603050405020304" pitchFamily="18" charset="0"/>
+                  </a:rPr>
+                  <a:t>Sistem DataBase Alat Elektronik</a:t>
+                </a:r>
+              </a:p>
+            </p:txBody>
+          </p:sp>
+          <p:sp>
+            <p:nvSpPr>
+              <p:cNvPr id="18" name="Oval 17"/>
+              <p:cNvSpPr/>
+              <p:nvPr/>
+            </p:nvSpPr>
+            <p:spPr>
+              <a:xfrm>
+                <a:off x="904875" y="1409700"/>
+                <a:ext cx="1514475" cy="790575"/>
+              </a:xfrm>
+              <a:prstGeom prst="ellipse">
                 <a:avLst/>
-              </a:prstTxWarp>
-              <a:noAutofit/>
-            </a:bodyPr>
-            <a:lstStyle/>
-            <a:p>
-              <a:pPr marL="0" marR="0" algn="ctr">
-                <a:lnSpc>
-                  <a:spcPct val="107000"/>
-                </a:lnSpc>
-                <a:spcBef>
-                  <a:spcPts val="0"/>
-                </a:spcBef>
-                <a:spcAft>
-                  <a:spcPts val="800"/>
-                </a:spcAft>
-              </a:pPr>
-              <a:r>
-                <a:rPr lang="id-ID" sz="1100">
-                  <a:effectLst/>
-                  <a:latin typeface="Estrangelo Edessa" panose="03080600000000000000" pitchFamily="66" charset="0"/>
-                  <a:ea typeface="Calibri" panose="020F0502020204030204" pitchFamily="34" charset="0"/>
-                  <a:cs typeface="Times New Roman" panose="02020603050405020304" pitchFamily="18" charset="0"/>
-                </a:rPr>
-                <a:t>Sitem Digital Alat Elektronik</a:t>
-              </a:r>
-            </a:p>
-          </p:txBody>
-        </p:sp>
+              </a:prstGeom>
+            </p:spPr>
+            <p:style>
+              <a:lnRef idx="2">
+                <a:schemeClr val="accent1">
+                  <a:shade val="50000"/>
+                </a:schemeClr>
+              </a:lnRef>
+              <a:fillRef idx="1">
+                <a:schemeClr val="accent1"/>
+              </a:fillRef>
+              <a:effectRef idx="0">
+                <a:schemeClr val="accent1"/>
+              </a:effectRef>
+              <a:fontRef idx="minor">
+                <a:schemeClr val="lt1"/>
+              </a:fontRef>
+            </p:style>
+            <p:txBody>
+              <a:bodyPr rot="0" spcFirstLastPara="0" vert="horz" wrap="square" lIns="91440" tIns="45720" rIns="91440" bIns="45720" numCol="1" spcCol="0" rtlCol="0" fromWordArt="0" anchor="ctr" anchorCtr="0" forceAA="0" compatLnSpc="1">
+                <a:prstTxWarp prst="textNoShape">
+                  <a:avLst/>
+                </a:prstTxWarp>
+                <a:noAutofit/>
+              </a:bodyPr>
+              <a:lstStyle/>
+              <a:p>
+                <a:pPr algn="ctr">
+                  <a:lnSpc>
+                    <a:spcPct val="107000"/>
+                  </a:lnSpc>
+                  <a:spcAft>
+                    <a:spcPts val="800"/>
+                  </a:spcAft>
+                </a:pPr>
+                <a:r>
+                  <a:rPr lang="id-ID" sz="2000" dirty="0">
+                    <a:effectLst/>
+                    <a:latin typeface="Estrangelo Edessa" panose="03080600000000000000" pitchFamily="66" charset="0"/>
+                    <a:ea typeface="Calibri" panose="020F0502020204030204" pitchFamily="34" charset="0"/>
+                    <a:cs typeface="Times New Roman" panose="02020603050405020304" pitchFamily="18" charset="0"/>
+                  </a:rPr>
+                  <a:t>Sitem Digital Alat Elektronik</a:t>
+                </a:r>
+              </a:p>
+            </p:txBody>
+          </p:sp>
+          <p:cxnSp>
+            <p:nvCxnSpPr>
+              <p:cNvPr id="19" name="Straight Arrow Connector 18"/>
+              <p:cNvCxnSpPr/>
+              <p:nvPr/>
+            </p:nvCxnSpPr>
+            <p:spPr>
+              <a:xfrm>
+                <a:off x="1400175" y="409575"/>
+                <a:ext cx="600075" cy="19050"/>
+              </a:xfrm>
+              <a:prstGeom prst="straightConnector1">
+                <a:avLst/>
+              </a:prstGeom>
+              <a:ln>
+                <a:tailEnd type="triangle"/>
+              </a:ln>
+            </p:spPr>
+            <p:style>
+              <a:lnRef idx="1">
+                <a:schemeClr val="accent1"/>
+              </a:lnRef>
+              <a:fillRef idx="0">
+                <a:schemeClr val="accent1"/>
+              </a:fillRef>
+              <a:effectRef idx="0">
+                <a:schemeClr val="accent1"/>
+              </a:effectRef>
+              <a:fontRef idx="minor">
+                <a:schemeClr val="tx1"/>
+              </a:fontRef>
+            </p:style>
+          </p:cxnSp>
+          <p:cxnSp>
+            <p:nvCxnSpPr>
+              <p:cNvPr id="20" name="Straight Arrow Connector 19"/>
+              <p:cNvCxnSpPr/>
+              <p:nvPr/>
+            </p:nvCxnSpPr>
+            <p:spPr>
+              <a:xfrm>
+                <a:off x="3543300" y="419100"/>
+                <a:ext cx="600075" cy="19050"/>
+              </a:xfrm>
+              <a:prstGeom prst="straightConnector1">
+                <a:avLst/>
+              </a:prstGeom>
+              <a:ln>
+                <a:tailEnd type="triangle"/>
+              </a:ln>
+            </p:spPr>
+            <p:style>
+              <a:lnRef idx="1">
+                <a:schemeClr val="accent1"/>
+              </a:lnRef>
+              <a:fillRef idx="0">
+                <a:schemeClr val="accent1"/>
+              </a:fillRef>
+              <a:effectRef idx="0">
+                <a:schemeClr val="accent1"/>
+              </a:effectRef>
+              <a:fontRef idx="minor">
+                <a:schemeClr val="tx1"/>
+              </a:fontRef>
+            </p:style>
+          </p:cxnSp>
+          <p:cxnSp>
+            <p:nvCxnSpPr>
+              <p:cNvPr id="21" name="Straight Arrow Connector 20"/>
+              <p:cNvCxnSpPr/>
+              <p:nvPr/>
+            </p:nvCxnSpPr>
+            <p:spPr>
+              <a:xfrm flipH="1">
+                <a:off x="4724400" y="971550"/>
+                <a:ext cx="171450" cy="495300"/>
+              </a:xfrm>
+              <a:prstGeom prst="straightConnector1">
+                <a:avLst/>
+              </a:prstGeom>
+              <a:ln>
+                <a:tailEnd type="triangle"/>
+              </a:ln>
+            </p:spPr>
+            <p:style>
+              <a:lnRef idx="1">
+                <a:schemeClr val="accent1"/>
+              </a:lnRef>
+              <a:fillRef idx="0">
+                <a:schemeClr val="accent1"/>
+              </a:fillRef>
+              <a:effectRef idx="0">
+                <a:schemeClr val="accent1"/>
+              </a:effectRef>
+              <a:fontRef idx="minor">
+                <a:schemeClr val="tx1"/>
+              </a:fontRef>
+            </p:style>
+          </p:cxnSp>
+          <p:sp>
+            <p:nvSpPr>
+              <p:cNvPr id="22" name="Oval 21"/>
+              <p:cNvSpPr/>
+              <p:nvPr/>
+            </p:nvSpPr>
+            <p:spPr>
+              <a:xfrm>
+                <a:off x="3590925" y="1533525"/>
+                <a:ext cx="1514475" cy="790575"/>
+              </a:xfrm>
+              <a:prstGeom prst="ellipse">
+                <a:avLst/>
+              </a:prstGeom>
+            </p:spPr>
+            <p:style>
+              <a:lnRef idx="2">
+                <a:schemeClr val="accent1">
+                  <a:shade val="50000"/>
+                </a:schemeClr>
+              </a:lnRef>
+              <a:fillRef idx="1">
+                <a:schemeClr val="accent1"/>
+              </a:fillRef>
+              <a:effectRef idx="0">
+                <a:schemeClr val="accent1"/>
+              </a:effectRef>
+              <a:fontRef idx="minor">
+                <a:schemeClr val="lt1"/>
+              </a:fontRef>
+            </p:style>
+            <p:txBody>
+              <a:bodyPr rot="0" spcFirstLastPara="0" vert="horz" wrap="square" lIns="91440" tIns="45720" rIns="91440" bIns="45720" numCol="1" spcCol="0" rtlCol="0" fromWordArt="0" anchor="ctr" anchorCtr="0" forceAA="0" compatLnSpc="1">
+                <a:prstTxWarp prst="textNoShape">
+                  <a:avLst/>
+                </a:prstTxWarp>
+                <a:noAutofit/>
+              </a:bodyPr>
+              <a:lstStyle/>
+              <a:p>
+                <a:pPr algn="ctr">
+                  <a:lnSpc>
+                    <a:spcPct val="107000"/>
+                  </a:lnSpc>
+                  <a:spcAft>
+                    <a:spcPts val="800"/>
+                  </a:spcAft>
+                </a:pPr>
+                <a:r>
+                  <a:rPr lang="id-ID" dirty="0">
+                    <a:effectLst/>
+                    <a:latin typeface="Estrangelo Edessa" panose="03080600000000000000" pitchFamily="66" charset="0"/>
+                    <a:ea typeface="Calibri" panose="020F0502020204030204" pitchFamily="34" charset="0"/>
+                    <a:cs typeface="Times New Roman" panose="02020603050405020304" pitchFamily="18" charset="0"/>
+                  </a:rPr>
+                  <a:t>CenterMachine</a:t>
+                </a:r>
+              </a:p>
+            </p:txBody>
+          </p:sp>
+        </p:grpSp>
         <p:cxnSp>
           <p:nvCxnSpPr>
-            <p:cNvPr id="9" name="Straight Arrow Connector 8"/>
-            <p:cNvCxnSpPr/>
-            <p:nvPr/>
-          </p:nvCxnSpPr>
-          <p:spPr>
-            <a:xfrm>
-              <a:off x="1400175" y="409575"/>
-              <a:ext cx="600075" cy="19050"/>
-            </a:xfrm>
-            <a:prstGeom prst="straightConnector1">
-              <a:avLst/>
-            </a:prstGeom>
-            <a:ln>
-              <a:tailEnd type="triangle"/>
-            </a:ln>
-          </p:spPr>
-          <p:style>
-            <a:lnRef idx="1">
-              <a:schemeClr val="accent1"/>
-            </a:lnRef>
-            <a:fillRef idx="0">
-              <a:schemeClr val="accent1"/>
-            </a:fillRef>
-            <a:effectRef idx="0">
-              <a:schemeClr val="accent1"/>
-            </a:effectRef>
-            <a:fontRef idx="minor">
-              <a:schemeClr val="tx1"/>
-            </a:fontRef>
-          </p:style>
-        </p:cxnSp>
-        <p:cxnSp>
-          <p:nvCxnSpPr>
-            <p:cNvPr id="10" name="Straight Arrow Connector 9"/>
-            <p:cNvCxnSpPr/>
-            <p:nvPr/>
-          </p:nvCxnSpPr>
-          <p:spPr>
-            <a:xfrm>
-              <a:off x="3543300" y="419100"/>
-              <a:ext cx="600075" cy="19050"/>
-            </a:xfrm>
-            <a:prstGeom prst="straightConnector1">
-              <a:avLst/>
-            </a:prstGeom>
-            <a:ln>
-              <a:tailEnd type="triangle"/>
-            </a:ln>
-          </p:spPr>
-          <p:style>
-            <a:lnRef idx="1">
-              <a:schemeClr val="accent1"/>
-            </a:lnRef>
-            <a:fillRef idx="0">
-              <a:schemeClr val="accent1"/>
-            </a:fillRef>
-            <a:effectRef idx="0">
-              <a:schemeClr val="accent1"/>
-            </a:effectRef>
-            <a:fontRef idx="minor">
-              <a:schemeClr val="tx1"/>
-            </a:fontRef>
-          </p:style>
-        </p:cxnSp>
-        <p:cxnSp>
-          <p:nvCxnSpPr>
-            <p:cNvPr id="11" name="Straight Arrow Connector 10"/>
+            <p:cNvPr id="14" name="Straight Arrow Connector 13"/>
             <p:cNvCxnSpPr/>
             <p:nvPr/>
           </p:nvCxnSpPr>
           <p:spPr>
             <a:xfrm flipH="1">
-              <a:off x="4724400" y="971550"/>
-              <a:ext cx="171450" cy="495300"/>
+              <a:off x="2552700" y="1866900"/>
+              <a:ext cx="961390" cy="45719"/>
             </a:xfrm>
             <a:prstGeom prst="straightConnector1">
               <a:avLst/>
@@ -8933,10 +8733,17 @@
   <p:clrMapOvr>
     <a:masterClrMapping/>
   </p:clrMapOvr>
+  <p:timing>
+    <p:tnLst>
+      <p:par>
+        <p:cTn id="1" dur="indefinite" restart="never" nodeType="tmRoot"/>
+      </p:par>
+    </p:tnLst>
+  </p:timing>
 </p:sld>
 </file>
 
-<file path=ppt/slides/slide17.xml><?xml version="1.0" encoding="utf-8"?>
+<file path=ppt/slides/slide18.xml><?xml version="1.0" encoding="utf-8"?>
 <p:sld xmlns:a="http://schemas.openxmlformats.org/drawingml/2006/main" xmlns:r="http://schemas.openxmlformats.org/officeDocument/2006/relationships" xmlns:p="http://schemas.openxmlformats.org/presentationml/2006/main">
   <p:cSld>
     <p:spTree>
@@ -9028,9 +8835,9 @@
           <p:grpSpPr>
             <a:xfrm>
               <a:off x="85725" y="0"/>
-              <a:ext cx="866775" cy="790575"/>
+              <a:ext cx="1090538" cy="790575"/>
               <a:chOff x="0" y="0"/>
-              <a:chExt cx="1133475" cy="781050"/>
+              <a:chExt cx="1426088" cy="781050"/>
             </a:xfrm>
           </p:grpSpPr>
           <p:sp>
@@ -9042,7 +8849,7 @@
             <p:spPr>
               <a:xfrm>
                 <a:off x="0" y="0"/>
-                <a:ext cx="1133475" cy="781050"/>
+                <a:ext cx="1426088" cy="781050"/>
               </a:xfrm>
               <a:prstGeom prst="ellipse">
                 <a:avLst/>
@@ -9085,8 +8892,8 @@
             </p:nvSpPr>
             <p:spPr>
               <a:xfrm>
-                <a:off x="238125" y="171450"/>
-                <a:ext cx="657225" cy="438150"/>
+                <a:off x="189430" y="185020"/>
+                <a:ext cx="1047226" cy="438150"/>
               </a:xfrm>
               <a:prstGeom prst="rect">
                 <a:avLst/>
@@ -9134,7 +8941,7 @@
                   </a:spcAft>
                 </a:pPr>
                 <a:r>
-                  <a:rPr lang="id-ID" sz="1100">
+                  <a:rPr lang="id-ID" sz="2400" dirty="0">
                     <a:solidFill>
                       <a:srgbClr val="FFFFFF"/>
                     </a:solidFill>
@@ -9145,7 +8952,7 @@
                   </a:rPr>
                   <a:t>User</a:t>
                 </a:r>
-                <a:endParaRPr lang="id-ID" sz="1100">
+                <a:endParaRPr lang="id-ID" sz="1400" dirty="0">
                   <a:effectLst/>
                   <a:latin typeface="Estrangelo Edessa" panose="03080600000000000000" pitchFamily="66" charset="0"/>
                   <a:ea typeface="Calibri" panose="020F0502020204030204" pitchFamily="34" charset="0"/>
@@ -9163,9 +8970,9 @@
           </p:nvGrpSpPr>
           <p:grpSpPr>
             <a:xfrm>
-              <a:off x="0" y="1457325"/>
+              <a:off x="0" y="1457326"/>
               <a:ext cx="1381125" cy="1133475"/>
-              <a:chOff x="0" y="0"/>
+              <a:chOff x="0" y="1"/>
               <a:chExt cx="1133475" cy="781050"/>
             </a:xfrm>
           </p:grpSpPr>
@@ -9177,7 +8984,7 @@
             </p:nvSpPr>
             <p:spPr>
               <a:xfrm>
-                <a:off x="0" y="0"/>
+                <a:off x="0" y="1"/>
                 <a:ext cx="1133475" cy="781050"/>
               </a:xfrm>
               <a:prstGeom prst="ellipse">
@@ -9221,8 +9028,8 @@
             </p:nvSpPr>
             <p:spPr>
               <a:xfrm>
-                <a:off x="238125" y="171450"/>
-                <a:ext cx="657225" cy="438150"/>
+                <a:off x="215452" y="143763"/>
+                <a:ext cx="730216" cy="432631"/>
               </a:xfrm>
               <a:prstGeom prst="rect">
                 <a:avLst/>
@@ -9270,7 +9077,7 @@
                   </a:spcAft>
                 </a:pPr>
                 <a:r>
-                  <a:rPr lang="id-ID" sz="1100">
+                  <a:rPr lang="id-ID" dirty="0">
                     <a:solidFill>
                       <a:srgbClr val="FFFFFF"/>
                     </a:solidFill>
@@ -9281,7 +9088,7 @@
                   </a:rPr>
                   <a:t>Sistem DataBase Aplikasi</a:t>
                 </a:r>
-                <a:endParaRPr lang="id-ID" sz="1100">
+                <a:endParaRPr lang="id-ID" dirty="0">
                   <a:effectLst/>
                   <a:latin typeface="Estrangelo Edessa" panose="03080600000000000000" pitchFamily="66" charset="0"/>
                   <a:ea typeface="Calibri" panose="020F0502020204030204" pitchFamily="34" charset="0"/>
@@ -9357,8 +9164,8 @@
             </p:nvSpPr>
             <p:spPr>
               <a:xfrm>
-                <a:off x="238125" y="171450"/>
-                <a:ext cx="657225" cy="438150"/>
+                <a:off x="175357" y="171450"/>
+                <a:ext cx="840023" cy="438150"/>
               </a:xfrm>
               <a:prstGeom prst="rect">
                 <a:avLst/>
@@ -9406,7 +9213,7 @@
                   </a:spcAft>
                 </a:pPr>
                 <a:r>
-                  <a:rPr lang="id-ID" sz="1100">
+                  <a:rPr lang="id-ID" sz="2000" dirty="0">
                     <a:solidFill>
                       <a:srgbClr val="FFFFFF"/>
                     </a:solidFill>
@@ -9417,7 +9224,7 @@
                   </a:rPr>
                   <a:t>Bluetooth</a:t>
                 </a:r>
-                <a:endParaRPr lang="id-ID" sz="1100">
+                <a:endParaRPr lang="id-ID" sz="1100" dirty="0">
                   <a:effectLst/>
                   <a:latin typeface="Estrangelo Edessa" panose="03080600000000000000" pitchFamily="66" charset="0"/>
                   <a:ea typeface="Calibri" panose="020F0502020204030204" pitchFamily="34" charset="0"/>
@@ -9542,7 +9349,7 @@
                   </a:spcAft>
                 </a:pPr>
                 <a:r>
-                  <a:rPr lang="id-ID" sz="1100">
+                  <a:rPr lang="id-ID" dirty="0">
                     <a:solidFill>
                       <a:srgbClr val="FFFFFF"/>
                     </a:solidFill>
@@ -9553,7 +9360,7 @@
                   </a:rPr>
                   <a:t>Sistem DataBase Alat Elektronik</a:t>
                 </a:r>
-                <a:endParaRPr lang="id-ID" sz="1100">
+                <a:endParaRPr lang="id-ID" dirty="0">
                   <a:effectLst/>
                   <a:latin typeface="Estrangelo Edessa" panose="03080600000000000000" pitchFamily="66" charset="0"/>
                   <a:ea typeface="Calibri" panose="020F0502020204030204" pitchFamily="34" charset="0"/>
@@ -9742,6 +9549,113 @@
 </p:sld>
 </file>
 
+<file path=ppt/slides/slide19.xml><?xml version="1.0" encoding="utf-8"?>
+<p:sld xmlns:a="http://schemas.openxmlformats.org/drawingml/2006/main" xmlns:r="http://schemas.openxmlformats.org/officeDocument/2006/relationships" xmlns:p="http://schemas.openxmlformats.org/presentationml/2006/main">
+  <p:cSld>
+    <p:spTree>
+      <p:nvGrpSpPr>
+        <p:cNvPr id="1" name=""/>
+        <p:cNvGrpSpPr/>
+        <p:nvPr/>
+      </p:nvGrpSpPr>
+      <p:grpSpPr>
+        <a:xfrm>
+          <a:off x="0" y="0"/>
+          <a:ext cx="0" cy="0"/>
+          <a:chOff x="0" y="0"/>
+          <a:chExt cx="0" cy="0"/>
+        </a:xfrm>
+      </p:grpSpPr>
+      <p:sp>
+        <p:nvSpPr>
+          <p:cNvPr id="2" name="Title 1"/>
+          <p:cNvSpPr>
+            <a:spLocks noGrp="1"/>
+          </p:cNvSpPr>
+          <p:nvPr>
+            <p:ph type="title"/>
+          </p:nvPr>
+        </p:nvSpPr>
+        <p:spPr/>
+        <p:txBody>
+          <a:bodyPr/>
+          <a:lstStyle/>
+          <a:p>
+            <a:pPr algn="r"/>
+            <a:r>
+              <a:rPr lang="id-ID" dirty="0" smtClean="0"/>
+              <a:t>User Interface (I)</a:t>
+            </a:r>
+            <a:endParaRPr lang="id-ID" dirty="0"/>
+          </a:p>
+        </p:txBody>
+      </p:sp>
+      <p:sp>
+        <p:nvSpPr>
+          <p:cNvPr id="5" name="Content Placeholder 4"/>
+          <p:cNvSpPr>
+            <a:spLocks noGrp="1"/>
+          </p:cNvSpPr>
+          <p:nvPr>
+            <p:ph idx="1"/>
+          </p:nvPr>
+        </p:nvSpPr>
+        <p:spPr/>
+        <p:txBody>
+          <a:bodyPr/>
+          <a:lstStyle/>
+          <a:p>
+            <a:r>
+              <a:rPr lang="id-ID" dirty="0" smtClean="0"/>
+              <a:t>Tampilan Icon</a:t>
+            </a:r>
+            <a:endParaRPr lang="id-ID" dirty="0"/>
+          </a:p>
+        </p:txBody>
+      </p:sp>
+      <p:pic>
+        <p:nvPicPr>
+          <p:cNvPr id="7" name="Picture 6"/>
+          <p:cNvPicPr>
+            <a:picLocks noChangeAspect="1"/>
+          </p:cNvPicPr>
+          <p:nvPr/>
+        </p:nvPicPr>
+        <p:blipFill>
+          <a:blip r:embed="rId2">
+            <a:extLst>
+              <a:ext uri="{28A0092B-C50C-407E-A947-70E740481C1C}">
+                <a14:useLocalDpi xmlns:a14="http://schemas.microsoft.com/office/drawing/2010/main" val="0"/>
+              </a:ext>
+            </a:extLst>
+          </a:blip>
+          <a:stretch>
+            <a:fillRect/>
+          </a:stretch>
+        </p:blipFill>
+        <p:spPr>
+          <a:xfrm>
+            <a:off x="3052292" y="1056669"/>
+            <a:ext cx="3271234" cy="5773926"/>
+          </a:xfrm>
+          <a:prstGeom prst="rect">
+            <a:avLst/>
+          </a:prstGeom>
+        </p:spPr>
+      </p:pic>
+    </p:spTree>
+    <p:extLst>
+      <p:ext uri="{BB962C8B-B14F-4D97-AF65-F5344CB8AC3E}">
+        <p14:creationId xmlns:p14="http://schemas.microsoft.com/office/powerpoint/2010/main" val="4020644365"/>
+      </p:ext>
+    </p:extLst>
+  </p:cSld>
+  <p:clrMapOvr>
+    <a:masterClrMapping/>
+  </p:clrMapOvr>
+</p:sld>
+</file>
+
 <file path=ppt/slides/slide2.xml><?xml version="1.0" encoding="utf-8"?>
 <p:sld xmlns:a="http://schemas.openxmlformats.org/drawingml/2006/main" xmlns:r="http://schemas.openxmlformats.org/officeDocument/2006/relationships" xmlns:p="http://schemas.openxmlformats.org/presentationml/2006/main">
   <p:cSld>
@@ -9867,6 +9781,517 @@
       </p:par>
     </p:tnLst>
   </p:timing>
+</p:sld>
+</file>
+
+<file path=ppt/slides/slide20.xml><?xml version="1.0" encoding="utf-8"?>
+<p:sld xmlns:a="http://schemas.openxmlformats.org/drawingml/2006/main" xmlns:r="http://schemas.openxmlformats.org/officeDocument/2006/relationships" xmlns:p="http://schemas.openxmlformats.org/presentationml/2006/main">
+  <p:cSld>
+    <p:spTree>
+      <p:nvGrpSpPr>
+        <p:cNvPr id="1" name=""/>
+        <p:cNvGrpSpPr/>
+        <p:nvPr/>
+      </p:nvGrpSpPr>
+      <p:grpSpPr>
+        <a:xfrm>
+          <a:off x="0" y="0"/>
+          <a:ext cx="0" cy="0"/>
+          <a:chOff x="0" y="0"/>
+          <a:chExt cx="0" cy="0"/>
+        </a:xfrm>
+      </p:grpSpPr>
+      <p:sp>
+        <p:nvSpPr>
+          <p:cNvPr id="2" name="Title 1"/>
+          <p:cNvSpPr>
+            <a:spLocks noGrp="1"/>
+          </p:cNvSpPr>
+          <p:nvPr>
+            <p:ph type="title"/>
+          </p:nvPr>
+        </p:nvSpPr>
+        <p:spPr/>
+        <p:txBody>
+          <a:bodyPr/>
+          <a:lstStyle/>
+          <a:p>
+            <a:pPr algn="r"/>
+            <a:r>
+              <a:rPr lang="id-ID" dirty="0" smtClean="0"/>
+              <a:t>User Interface (II)</a:t>
+            </a:r>
+            <a:endParaRPr lang="id-ID" dirty="0"/>
+          </a:p>
+        </p:txBody>
+      </p:sp>
+      <p:sp>
+        <p:nvSpPr>
+          <p:cNvPr id="3" name="Content Placeholder 2"/>
+          <p:cNvSpPr>
+            <a:spLocks noGrp="1"/>
+          </p:cNvSpPr>
+          <p:nvPr>
+            <p:ph idx="1"/>
+          </p:nvPr>
+        </p:nvSpPr>
+        <p:spPr/>
+        <p:txBody>
+          <a:bodyPr/>
+          <a:lstStyle/>
+          <a:p>
+            <a:r>
+              <a:rPr lang="id-ID" dirty="0" smtClean="0"/>
+              <a:t>Tampilan Awal</a:t>
+            </a:r>
+            <a:endParaRPr lang="id-ID" dirty="0"/>
+          </a:p>
+        </p:txBody>
+      </p:sp>
+      <p:pic>
+        <p:nvPicPr>
+          <p:cNvPr id="4" name="Picture 3"/>
+          <p:cNvPicPr>
+            <a:picLocks noChangeAspect="1"/>
+          </p:cNvPicPr>
+          <p:nvPr/>
+        </p:nvPicPr>
+        <p:blipFill>
+          <a:blip r:embed="rId2">
+            <a:extLst>
+              <a:ext uri="{28A0092B-C50C-407E-A947-70E740481C1C}">
+                <a14:useLocalDpi xmlns:a14="http://schemas.microsoft.com/office/drawing/2010/main" val="0"/>
+              </a:ext>
+            </a:extLst>
+          </a:blip>
+          <a:stretch>
+            <a:fillRect/>
+          </a:stretch>
+        </p:blipFill>
+        <p:spPr>
+          <a:xfrm>
+            <a:off x="3200400" y="933450"/>
+            <a:ext cx="2910700" cy="5880100"/>
+          </a:xfrm>
+          <a:prstGeom prst="rect">
+            <a:avLst/>
+          </a:prstGeom>
+        </p:spPr>
+      </p:pic>
+    </p:spTree>
+    <p:extLst>
+      <p:ext uri="{BB962C8B-B14F-4D97-AF65-F5344CB8AC3E}">
+        <p14:creationId xmlns:p14="http://schemas.microsoft.com/office/powerpoint/2010/main" val="2548269669"/>
+      </p:ext>
+    </p:extLst>
+  </p:cSld>
+  <p:clrMapOvr>
+    <a:masterClrMapping/>
+  </p:clrMapOvr>
+</p:sld>
+</file>
+
+<file path=ppt/slides/slide21.xml><?xml version="1.0" encoding="utf-8"?>
+<p:sld xmlns:a="http://schemas.openxmlformats.org/drawingml/2006/main" xmlns:r="http://schemas.openxmlformats.org/officeDocument/2006/relationships" xmlns:p="http://schemas.openxmlformats.org/presentationml/2006/main">
+  <p:cSld>
+    <p:spTree>
+      <p:nvGrpSpPr>
+        <p:cNvPr id="1" name=""/>
+        <p:cNvGrpSpPr/>
+        <p:nvPr/>
+      </p:nvGrpSpPr>
+      <p:grpSpPr>
+        <a:xfrm>
+          <a:off x="0" y="0"/>
+          <a:ext cx="0" cy="0"/>
+          <a:chOff x="0" y="0"/>
+          <a:chExt cx="0" cy="0"/>
+        </a:xfrm>
+      </p:grpSpPr>
+      <p:sp>
+        <p:nvSpPr>
+          <p:cNvPr id="2" name="Title 1"/>
+          <p:cNvSpPr>
+            <a:spLocks noGrp="1"/>
+          </p:cNvSpPr>
+          <p:nvPr>
+            <p:ph type="title"/>
+          </p:nvPr>
+        </p:nvSpPr>
+        <p:spPr/>
+        <p:txBody>
+          <a:bodyPr/>
+          <a:lstStyle/>
+          <a:p>
+            <a:pPr algn="r"/>
+            <a:r>
+              <a:rPr lang="id-ID" dirty="0" smtClean="0"/>
+              <a:t>User Interface (III)</a:t>
+            </a:r>
+            <a:endParaRPr lang="id-ID" dirty="0"/>
+          </a:p>
+        </p:txBody>
+      </p:sp>
+      <p:sp>
+        <p:nvSpPr>
+          <p:cNvPr id="3" name="Content Placeholder 2"/>
+          <p:cNvSpPr>
+            <a:spLocks noGrp="1"/>
+          </p:cNvSpPr>
+          <p:nvPr>
+            <p:ph idx="1"/>
+          </p:nvPr>
+        </p:nvSpPr>
+        <p:spPr/>
+        <p:txBody>
+          <a:bodyPr/>
+          <a:lstStyle/>
+          <a:p>
+            <a:r>
+              <a:rPr lang="id-ID" dirty="0" smtClean="0"/>
+              <a:t>Tampilan AC OPTION</a:t>
+            </a:r>
+            <a:endParaRPr lang="id-ID" dirty="0"/>
+          </a:p>
+        </p:txBody>
+      </p:sp>
+      <p:pic>
+        <p:nvPicPr>
+          <p:cNvPr id="4" name="Picture 3"/>
+          <p:cNvPicPr>
+            <a:picLocks noChangeAspect="1"/>
+          </p:cNvPicPr>
+          <p:nvPr/>
+        </p:nvPicPr>
+        <p:blipFill>
+          <a:blip r:embed="rId2">
+            <a:extLst>
+              <a:ext uri="{28A0092B-C50C-407E-A947-70E740481C1C}">
+                <a14:useLocalDpi xmlns:a14="http://schemas.microsoft.com/office/drawing/2010/main" val="0"/>
+              </a:ext>
+            </a:extLst>
+          </a:blip>
+          <a:stretch>
+            <a:fillRect/>
+          </a:stretch>
+        </p:blipFill>
+        <p:spPr>
+          <a:xfrm>
+            <a:off x="3987800" y="1549400"/>
+            <a:ext cx="2832100" cy="5219700"/>
+          </a:xfrm>
+          <a:prstGeom prst="rect">
+            <a:avLst/>
+          </a:prstGeom>
+        </p:spPr>
+      </p:pic>
+    </p:spTree>
+    <p:extLst>
+      <p:ext uri="{BB962C8B-B14F-4D97-AF65-F5344CB8AC3E}">
+        <p14:creationId xmlns:p14="http://schemas.microsoft.com/office/powerpoint/2010/main" val="1111298599"/>
+      </p:ext>
+    </p:extLst>
+  </p:cSld>
+  <p:clrMapOvr>
+    <a:masterClrMapping/>
+  </p:clrMapOvr>
+</p:sld>
+</file>
+
+<file path=ppt/slides/slide22.xml><?xml version="1.0" encoding="utf-8"?>
+<p:sld xmlns:a="http://schemas.openxmlformats.org/drawingml/2006/main" xmlns:r="http://schemas.openxmlformats.org/officeDocument/2006/relationships" xmlns:p="http://schemas.openxmlformats.org/presentationml/2006/main">
+  <p:cSld>
+    <p:spTree>
+      <p:nvGrpSpPr>
+        <p:cNvPr id="1" name=""/>
+        <p:cNvGrpSpPr/>
+        <p:nvPr/>
+      </p:nvGrpSpPr>
+      <p:grpSpPr>
+        <a:xfrm>
+          <a:off x="0" y="0"/>
+          <a:ext cx="0" cy="0"/>
+          <a:chOff x="0" y="0"/>
+          <a:chExt cx="0" cy="0"/>
+        </a:xfrm>
+      </p:grpSpPr>
+      <p:sp>
+        <p:nvSpPr>
+          <p:cNvPr id="2" name="Title 1"/>
+          <p:cNvSpPr>
+            <a:spLocks noGrp="1"/>
+          </p:cNvSpPr>
+          <p:nvPr>
+            <p:ph type="title"/>
+          </p:nvPr>
+        </p:nvSpPr>
+        <p:spPr/>
+        <p:txBody>
+          <a:bodyPr/>
+          <a:lstStyle/>
+          <a:p>
+            <a:pPr algn="r"/>
+            <a:r>
+              <a:rPr lang="id-ID" dirty="0" smtClean="0"/>
+              <a:t>User Interface (IV)</a:t>
+            </a:r>
+            <a:endParaRPr lang="id-ID" dirty="0"/>
+          </a:p>
+        </p:txBody>
+      </p:sp>
+      <p:sp>
+        <p:nvSpPr>
+          <p:cNvPr id="3" name="Content Placeholder 2"/>
+          <p:cNvSpPr>
+            <a:spLocks noGrp="1"/>
+          </p:cNvSpPr>
+          <p:nvPr>
+            <p:ph idx="1"/>
+          </p:nvPr>
+        </p:nvSpPr>
+        <p:spPr/>
+        <p:txBody>
+          <a:bodyPr/>
+          <a:lstStyle/>
+          <a:p>
+            <a:r>
+              <a:rPr lang="id-ID" dirty="0" smtClean="0"/>
+              <a:t>Tampilan TV OPTION</a:t>
+            </a:r>
+            <a:endParaRPr lang="id-ID" dirty="0"/>
+          </a:p>
+        </p:txBody>
+      </p:sp>
+      <p:pic>
+        <p:nvPicPr>
+          <p:cNvPr id="4" name="Picture 3"/>
+          <p:cNvPicPr>
+            <a:picLocks noChangeAspect="1"/>
+          </p:cNvPicPr>
+          <p:nvPr/>
+        </p:nvPicPr>
+        <p:blipFill>
+          <a:blip r:embed="rId2">
+            <a:extLst>
+              <a:ext uri="{28A0092B-C50C-407E-A947-70E740481C1C}">
+                <a14:useLocalDpi xmlns:a14="http://schemas.microsoft.com/office/drawing/2010/main" val="0"/>
+              </a:ext>
+            </a:extLst>
+          </a:blip>
+          <a:stretch>
+            <a:fillRect/>
+          </a:stretch>
+        </p:blipFill>
+        <p:spPr>
+          <a:xfrm>
+            <a:off x="3934600" y="1397000"/>
+            <a:ext cx="2872600" cy="5461000"/>
+          </a:xfrm>
+          <a:prstGeom prst="rect">
+            <a:avLst/>
+          </a:prstGeom>
+        </p:spPr>
+      </p:pic>
+    </p:spTree>
+    <p:extLst>
+      <p:ext uri="{BB962C8B-B14F-4D97-AF65-F5344CB8AC3E}">
+        <p14:creationId xmlns:p14="http://schemas.microsoft.com/office/powerpoint/2010/main" val="627758358"/>
+      </p:ext>
+    </p:extLst>
+  </p:cSld>
+  <p:clrMapOvr>
+    <a:masterClrMapping/>
+  </p:clrMapOvr>
+</p:sld>
+</file>
+
+<file path=ppt/slides/slide23.xml><?xml version="1.0" encoding="utf-8"?>
+<p:sld xmlns:a="http://schemas.openxmlformats.org/drawingml/2006/main" xmlns:r="http://schemas.openxmlformats.org/officeDocument/2006/relationships" xmlns:p="http://schemas.openxmlformats.org/presentationml/2006/main">
+  <p:cSld>
+    <p:spTree>
+      <p:nvGrpSpPr>
+        <p:cNvPr id="1" name=""/>
+        <p:cNvGrpSpPr/>
+        <p:nvPr/>
+      </p:nvGrpSpPr>
+      <p:grpSpPr>
+        <a:xfrm>
+          <a:off x="0" y="0"/>
+          <a:ext cx="0" cy="0"/>
+          <a:chOff x="0" y="0"/>
+          <a:chExt cx="0" cy="0"/>
+        </a:xfrm>
+      </p:grpSpPr>
+      <p:sp>
+        <p:nvSpPr>
+          <p:cNvPr id="2" name="Title 1"/>
+          <p:cNvSpPr>
+            <a:spLocks noGrp="1"/>
+          </p:cNvSpPr>
+          <p:nvPr>
+            <p:ph type="title"/>
+          </p:nvPr>
+        </p:nvSpPr>
+        <p:spPr/>
+        <p:txBody>
+          <a:bodyPr/>
+          <a:lstStyle/>
+          <a:p>
+            <a:pPr algn="r"/>
+            <a:r>
+              <a:rPr lang="id-ID" dirty="0" smtClean="0"/>
+              <a:t>User Interface (V)</a:t>
+            </a:r>
+            <a:endParaRPr lang="id-ID" dirty="0"/>
+          </a:p>
+        </p:txBody>
+      </p:sp>
+      <p:sp>
+        <p:nvSpPr>
+          <p:cNvPr id="3" name="Content Placeholder 2"/>
+          <p:cNvSpPr>
+            <a:spLocks noGrp="1"/>
+          </p:cNvSpPr>
+          <p:nvPr>
+            <p:ph idx="1"/>
+          </p:nvPr>
+        </p:nvSpPr>
+        <p:spPr/>
+        <p:txBody>
+          <a:bodyPr/>
+          <a:lstStyle/>
+          <a:p>
+            <a:r>
+              <a:rPr lang="id-ID" dirty="0" smtClean="0"/>
+              <a:t>Tampilan Saat Ganti FONT</a:t>
+            </a:r>
+            <a:endParaRPr lang="id-ID" dirty="0"/>
+          </a:p>
+        </p:txBody>
+      </p:sp>
+      <p:pic>
+        <p:nvPicPr>
+          <p:cNvPr id="4" name="Picture 3"/>
+          <p:cNvPicPr>
+            <a:picLocks noChangeAspect="1"/>
+          </p:cNvPicPr>
+          <p:nvPr/>
+        </p:nvPicPr>
+        <p:blipFill>
+          <a:blip r:embed="rId2">
+            <a:extLst>
+              <a:ext uri="{28A0092B-C50C-407E-A947-70E740481C1C}">
+                <a14:useLocalDpi xmlns:a14="http://schemas.microsoft.com/office/drawing/2010/main" val="0"/>
+              </a:ext>
+            </a:extLst>
+          </a:blip>
+          <a:stretch>
+            <a:fillRect/>
+          </a:stretch>
+        </p:blipFill>
+        <p:spPr>
+          <a:xfrm>
+            <a:off x="5010150" y="1638300"/>
+            <a:ext cx="2679700" cy="5219700"/>
+          </a:xfrm>
+          <a:prstGeom prst="rect">
+            <a:avLst/>
+          </a:prstGeom>
+        </p:spPr>
+      </p:pic>
+    </p:spTree>
+    <p:extLst>
+      <p:ext uri="{BB962C8B-B14F-4D97-AF65-F5344CB8AC3E}">
+        <p14:creationId xmlns:p14="http://schemas.microsoft.com/office/powerpoint/2010/main" val="1439060195"/>
+      </p:ext>
+    </p:extLst>
+  </p:cSld>
+  <p:clrMapOvr>
+    <a:masterClrMapping/>
+  </p:clrMapOvr>
+</p:sld>
+</file>
+
+<file path=ppt/slides/slide24.xml><?xml version="1.0" encoding="utf-8"?>
+<p:sld xmlns:a="http://schemas.openxmlformats.org/drawingml/2006/main" xmlns:r="http://schemas.openxmlformats.org/officeDocument/2006/relationships" xmlns:p="http://schemas.openxmlformats.org/presentationml/2006/main">
+  <p:cSld>
+    <p:spTree>
+      <p:nvGrpSpPr>
+        <p:cNvPr id="1" name=""/>
+        <p:cNvGrpSpPr/>
+        <p:nvPr/>
+      </p:nvGrpSpPr>
+      <p:grpSpPr>
+        <a:xfrm>
+          <a:off x="0" y="0"/>
+          <a:ext cx="0" cy="0"/>
+          <a:chOff x="0" y="0"/>
+          <a:chExt cx="0" cy="0"/>
+        </a:xfrm>
+      </p:grpSpPr>
+      <p:sp>
+        <p:nvSpPr>
+          <p:cNvPr id="2" name="Title 1"/>
+          <p:cNvSpPr>
+            <a:spLocks noGrp="1"/>
+          </p:cNvSpPr>
+          <p:nvPr>
+            <p:ph type="title"/>
+          </p:nvPr>
+        </p:nvSpPr>
+        <p:spPr/>
+        <p:txBody>
+          <a:bodyPr/>
+          <a:lstStyle/>
+          <a:p>
+            <a:pPr algn="r"/>
+            <a:r>
+              <a:rPr lang="id-ID" smtClean="0"/>
+              <a:t>Logo brothers</a:t>
+            </a:r>
+            <a:endParaRPr lang="id-ID" dirty="0"/>
+          </a:p>
+        </p:txBody>
+      </p:sp>
+      <p:pic>
+        <p:nvPicPr>
+          <p:cNvPr id="4" name="Content Placeholder 3"/>
+          <p:cNvPicPr>
+            <a:picLocks noGrp="1" noChangeAspect="1"/>
+          </p:cNvPicPr>
+          <p:nvPr>
+            <p:ph idx="1"/>
+          </p:nvPr>
+        </p:nvPicPr>
+        <p:blipFill>
+          <a:blip r:embed="rId2">
+            <a:extLst>
+              <a:ext uri="{28A0092B-C50C-407E-A947-70E740481C1C}">
+                <a14:useLocalDpi xmlns:a14="http://schemas.microsoft.com/office/drawing/2010/main" val="0"/>
+              </a:ext>
+            </a:extLst>
+          </a:blip>
+          <a:stretch>
+            <a:fillRect/>
+          </a:stretch>
+        </p:blipFill>
+        <p:spPr>
+          <a:xfrm>
+            <a:off x="3467100" y="2552700"/>
+            <a:ext cx="5105399" cy="2362200"/>
+          </a:xfrm>
+        </p:spPr>
+      </p:pic>
+    </p:spTree>
+    <p:extLst>
+      <p:ext uri="{BB962C8B-B14F-4D97-AF65-F5344CB8AC3E}">
+        <p14:creationId xmlns:p14="http://schemas.microsoft.com/office/powerpoint/2010/main" val="2427327676"/>
+      </p:ext>
+    </p:extLst>
+  </p:cSld>
+  <p:clrMapOvr>
+    <a:masterClrMapping/>
+  </p:clrMapOvr>
 </p:sld>
 </file>
 
@@ -11480,59 +11905,61 @@
         </p:nvSpPr>
         <p:spPr/>
         <p:txBody>
-          <a:bodyPr/>
-          <a:lstStyle/>
-          <a:p>
-            <a:r>
-              <a:rPr lang="en-US" noProof="1" smtClean="0"/>
+          <a:bodyPr>
+            <a:normAutofit/>
+          </a:bodyPr>
+          <a:lstStyle/>
+          <a:p>
+            <a:r>
+              <a:rPr lang="en-US" sz="2800" noProof="1" smtClean="0"/>
               <a:t>User kami jelas memerlukan alat-alat elektronik </a:t>
             </a:r>
             <a:r>
-              <a:rPr lang="id-ID" noProof="1" smtClean="0"/>
+              <a:rPr lang="id-ID" sz="2800" noProof="1" smtClean="0"/>
               <a:t>yang menggunakan teknologi pengaturan </a:t>
             </a:r>
             <a:r>
-              <a:rPr lang="id-ID" i="1" noProof="1" smtClean="0"/>
+              <a:rPr lang="id-ID" sz="2800" i="1" noProof="1" smtClean="0"/>
               <a:t>remote </a:t>
             </a:r>
             <a:r>
-              <a:rPr lang="en-US" noProof="1" smtClean="0"/>
+              <a:rPr lang="en-US" sz="2800" noProof="1" smtClean="0"/>
               <a:t>seperti TV, </a:t>
             </a:r>
             <a:r>
-              <a:rPr lang="id-ID" noProof="1"/>
+              <a:rPr lang="id-ID" sz="2800" noProof="1"/>
               <a:t> </a:t>
             </a:r>
             <a:r>
-              <a:rPr lang="id-ID" noProof="1" smtClean="0"/>
+              <a:rPr lang="id-ID" sz="2800" noProof="1" smtClean="0"/>
               <a:t>AC (pendingin ruangan), kipas angin</a:t>
             </a:r>
             <a:r>
-              <a:rPr lang="en-US" noProof="1" smtClean="0"/>
+              <a:rPr lang="en-US" sz="2800" noProof="1" smtClean="0"/>
               <a:t> dll</a:t>
             </a:r>
             <a:r>
-              <a:rPr lang="id-ID" noProof="1" smtClean="0"/>
+              <a:rPr lang="id-ID" sz="2800" noProof="1" smtClean="0"/>
               <a:t>;</a:t>
             </a:r>
           </a:p>
           <a:p>
             <a:r>
-              <a:rPr lang="id-ID" i="1" noProof="1" smtClean="0"/>
+              <a:rPr lang="id-ID" sz="2800" i="1" noProof="1" smtClean="0"/>
               <a:t>Smartphone </a:t>
             </a:r>
             <a:r>
-              <a:rPr lang="id-ID" noProof="1" smtClean="0"/>
+              <a:rPr lang="id-ID" sz="2800" noProof="1" smtClean="0"/>
               <a:t>dan kemampuan untuk menggunakan </a:t>
             </a:r>
             <a:r>
-              <a:rPr lang="id-ID" i="1" noProof="1" smtClean="0"/>
+              <a:rPr lang="id-ID" sz="2800" i="1" noProof="1" smtClean="0"/>
               <a:t>smartphone.</a:t>
             </a:r>
-            <a:endParaRPr lang="en-US" i="1" noProof="1" smtClean="0"/>
-          </a:p>
-          <a:p>
-            <a:endParaRPr lang="en-US" noProof="1"/>
+            <a:endParaRPr lang="en-US" sz="2800" i="1" noProof="1" smtClean="0"/>
+          </a:p>
+          <a:p>
+            <a:endParaRPr lang="en-US" sz="2800" noProof="1"/>
           </a:p>
         </p:txBody>
       </p:sp>
@@ -11602,43 +12029,45 @@
         </p:nvSpPr>
         <p:spPr/>
         <p:txBody>
-          <a:bodyPr/>
-          <a:lstStyle/>
-          <a:p>
-            <a:r>
-              <a:rPr lang="id-ID" i="1" dirty="0" smtClean="0"/>
+          <a:bodyPr>
+            <a:noAutofit/>
+          </a:bodyPr>
+          <a:lstStyle/>
+          <a:p>
+            <a:r>
+              <a:rPr lang="id-ID" sz="2800" i="1" dirty="0" smtClean="0"/>
               <a:t>Operating System </a:t>
             </a:r>
             <a:r>
-              <a:rPr lang="id-ID" dirty="0" smtClean="0"/>
+              <a:rPr lang="id-ID" sz="2800" dirty="0" smtClean="0"/>
               <a:t>: Android, Windows Phone;</a:t>
             </a:r>
-            <a:endParaRPr lang="id-ID" i="1" dirty="0"/>
-          </a:p>
-          <a:p>
-            <a:r>
-              <a:rPr lang="id-ID" dirty="0" smtClean="0"/>
+            <a:endParaRPr lang="id-ID" sz="2800" i="1" dirty="0"/>
+          </a:p>
+          <a:p>
+            <a:r>
+              <a:rPr lang="id-ID" sz="2800" dirty="0" smtClean="0"/>
               <a:t>Koneksi bluetooth yang akan menghubungkan setiap </a:t>
             </a:r>
             <a:r>
-              <a:rPr lang="id-ID" i="1" dirty="0" smtClean="0"/>
+              <a:rPr lang="id-ID" sz="2800" i="1" dirty="0" smtClean="0"/>
               <a:t>smartphone </a:t>
             </a:r>
             <a:r>
-              <a:rPr lang="id-ID" dirty="0" smtClean="0"/>
+              <a:rPr lang="id-ID" sz="2800" dirty="0" smtClean="0"/>
               <a:t>dengan centerMachine yang nantinya akan terhubung lagi dengan alat-alat elektronik;</a:t>
             </a:r>
           </a:p>
           <a:p>
             <a:r>
-              <a:rPr lang="id-ID" dirty="0" smtClean="0"/>
+              <a:rPr lang="id-ID" sz="2800" dirty="0" smtClean="0"/>
               <a:t>Data base alat-alat elektronik yang kita punya dengan alat-alat elektronik yang sudah menggunakan teknologi pengaturan </a:t>
             </a:r>
             <a:r>
-              <a:rPr lang="id-ID" i="1" dirty="0" smtClean="0"/>
+              <a:rPr lang="id-ID" sz="2800" i="1" dirty="0" smtClean="0"/>
               <a:t>remote.</a:t>
             </a:r>
-            <a:endParaRPr lang="id-ID" dirty="0" smtClean="0"/>
+            <a:endParaRPr lang="id-ID" sz="2800" dirty="0" smtClean="0"/>
           </a:p>
         </p:txBody>
       </p:sp>
